--- a/presentation/final_presentation.pptx
+++ b/presentation/final_presentation.pptx
@@ -5,7 +5,7 @@
     <p:sldMasterId id="2147483648" r:id="rId1"/>
   </p:sldMasterIdLst>
   <p:notesMasterIdLst>
-    <p:notesMasterId r:id="rId32"/>
+    <p:notesMasterId r:id="rId39"/>
   </p:notesMasterIdLst>
   <p:sldIdLst>
     <p:sldId id="256" r:id="rId2"/>
@@ -16,10 +16,10 @@
     <p:sldId id="261" r:id="rId7"/>
     <p:sldId id="264" r:id="rId8"/>
     <p:sldId id="262" r:id="rId9"/>
-    <p:sldId id="263" r:id="rId10"/>
-    <p:sldId id="265" r:id="rId11"/>
-    <p:sldId id="267" r:id="rId12"/>
-    <p:sldId id="268" r:id="rId13"/>
+    <p:sldId id="265" r:id="rId10"/>
+    <p:sldId id="267" r:id="rId11"/>
+    <p:sldId id="268" r:id="rId12"/>
+    <p:sldId id="286" r:id="rId13"/>
     <p:sldId id="270" r:id="rId14"/>
     <p:sldId id="278" r:id="rId15"/>
     <p:sldId id="277" r:id="rId16"/>
@@ -28,16 +28,23 @@
     <p:sldId id="272" r:id="rId19"/>
     <p:sldId id="273" r:id="rId20"/>
     <p:sldId id="274" r:id="rId21"/>
-    <p:sldId id="280" r:id="rId22"/>
-    <p:sldId id="281" r:id="rId23"/>
-    <p:sldId id="282" r:id="rId24"/>
-    <p:sldId id="276" r:id="rId25"/>
-    <p:sldId id="275" r:id="rId26"/>
-    <p:sldId id="279" r:id="rId27"/>
-    <p:sldId id="284" r:id="rId28"/>
-    <p:sldId id="283" r:id="rId29"/>
-    <p:sldId id="285" r:id="rId30"/>
-    <p:sldId id="259" r:id="rId31"/>
+    <p:sldId id="276" r:id="rId22"/>
+    <p:sldId id="275" r:id="rId23"/>
+    <p:sldId id="279" r:id="rId24"/>
+    <p:sldId id="284" r:id="rId25"/>
+    <p:sldId id="283" r:id="rId26"/>
+    <p:sldId id="285" r:id="rId27"/>
+    <p:sldId id="288" r:id="rId28"/>
+    <p:sldId id="297" r:id="rId29"/>
+    <p:sldId id="289" r:id="rId30"/>
+    <p:sldId id="296" r:id="rId31"/>
+    <p:sldId id="291" r:id="rId32"/>
+    <p:sldId id="299" r:id="rId33"/>
+    <p:sldId id="290" r:id="rId34"/>
+    <p:sldId id="300" r:id="rId35"/>
+    <p:sldId id="301" r:id="rId36"/>
+    <p:sldId id="302" r:id="rId37"/>
+    <p:sldId id="259" r:id="rId38"/>
   </p:sldIdLst>
   <p:sldSz cx="9144000" cy="6858000" type="screen4x3"/>
   <p:notesSz cx="6858000" cy="9144000"/>
@@ -3753,22 +3760,202 @@
           <a:p>
             <a:r>
               <a:rPr lang="en-US" dirty="0" smtClean="0"/>
-              <a:t>Plan</a:t>
+              <a:t>Text Classification</a:t>
             </a:r>
             <a:endParaRPr lang="en-US" dirty="0"/>
           </a:p>
         </p:txBody>
       </p:sp>
-      <p:sp>
-        <p:nvSpPr>
-          <p:cNvPr id="5" name="TextBox 4"/>
+      <p:pic>
+        <p:nvPicPr>
+          <p:cNvPr id="4" name="Picture 3" descr="document.png"/>
+          <p:cNvPicPr>
+            <a:picLocks noChangeAspect="1"/>
+          </p:cNvPicPr>
+          <p:nvPr/>
+        </p:nvPicPr>
+        <p:blipFill>
+          <a:blip r:embed="rId2">
+            <a:extLst>
+              <a:ext uri="{28A0092B-C50C-407E-A947-70E740481C1C}">
+                <a14:useLocalDpi xmlns:a14="http://schemas.microsoft.com/office/drawing/2010/main" val="0"/>
+              </a:ext>
+            </a:extLst>
+          </a:blip>
+          <a:stretch>
+            <a:fillRect/>
+          </a:stretch>
+        </p:blipFill>
+        <p:spPr>
+          <a:xfrm>
+            <a:off x="651571" y="1893073"/>
+            <a:ext cx="1634224" cy="1634224"/>
+          </a:xfrm>
+          <a:prstGeom prst="rect">
+            <a:avLst/>
+          </a:prstGeom>
+        </p:spPr>
+      </p:pic>
+      <p:pic>
+        <p:nvPicPr>
+          <p:cNvPr id="7" name="Picture 6" descr="document.png"/>
+          <p:cNvPicPr>
+            <a:picLocks noChangeAspect="1"/>
+          </p:cNvPicPr>
+          <p:nvPr/>
+        </p:nvPicPr>
+        <p:blipFill>
+          <a:blip r:embed="rId2">
+            <a:extLst>
+              <a:ext uri="{28A0092B-C50C-407E-A947-70E740481C1C}">
+                <a14:useLocalDpi xmlns:a14="http://schemas.microsoft.com/office/drawing/2010/main" val="0"/>
+              </a:ext>
+            </a:extLst>
+          </a:blip>
+          <a:stretch>
+            <a:fillRect/>
+          </a:stretch>
+        </p:blipFill>
+        <p:spPr>
+          <a:xfrm>
+            <a:off x="2060120" y="1893073"/>
+            <a:ext cx="1634224" cy="1634224"/>
+          </a:xfrm>
+          <a:prstGeom prst="rect">
+            <a:avLst/>
+          </a:prstGeom>
+        </p:spPr>
+      </p:pic>
+      <p:pic>
+        <p:nvPicPr>
+          <p:cNvPr id="8" name="Picture 7" descr="document.png"/>
+          <p:cNvPicPr>
+            <a:picLocks noChangeAspect="1"/>
+          </p:cNvPicPr>
+          <p:nvPr/>
+        </p:nvPicPr>
+        <p:blipFill>
+          <a:blip r:embed="rId2">
+            <a:extLst>
+              <a:ext uri="{28A0092B-C50C-407E-A947-70E740481C1C}">
+                <a14:useLocalDpi xmlns:a14="http://schemas.microsoft.com/office/drawing/2010/main" val="0"/>
+              </a:ext>
+            </a:extLst>
+          </a:blip>
+          <a:stretch>
+            <a:fillRect/>
+          </a:stretch>
+        </p:blipFill>
+        <p:spPr>
+          <a:xfrm>
+            <a:off x="3482606" y="1893073"/>
+            <a:ext cx="1634224" cy="1634224"/>
+          </a:xfrm>
+          <a:prstGeom prst="rect">
+            <a:avLst/>
+          </a:prstGeom>
+        </p:spPr>
+      </p:pic>
+      <p:pic>
+        <p:nvPicPr>
+          <p:cNvPr id="9" name="Picture 8" descr="document.png"/>
+          <p:cNvPicPr>
+            <a:picLocks noChangeAspect="1"/>
+          </p:cNvPicPr>
+          <p:nvPr/>
+        </p:nvPicPr>
+        <p:blipFill>
+          <a:blip r:embed="rId2">
+            <a:extLst>
+              <a:ext uri="{28A0092B-C50C-407E-A947-70E740481C1C}">
+                <a14:useLocalDpi xmlns:a14="http://schemas.microsoft.com/office/drawing/2010/main" val="0"/>
+              </a:ext>
+            </a:extLst>
+          </a:blip>
+          <a:stretch>
+            <a:fillRect/>
+          </a:stretch>
+        </p:blipFill>
+        <p:spPr>
+          <a:xfrm>
+            <a:off x="651571" y="3779434"/>
+            <a:ext cx="1634224" cy="1634224"/>
+          </a:xfrm>
+          <a:prstGeom prst="rect">
+            <a:avLst/>
+          </a:prstGeom>
+        </p:spPr>
+      </p:pic>
+      <p:pic>
+        <p:nvPicPr>
+          <p:cNvPr id="10" name="Picture 9" descr="document.png"/>
+          <p:cNvPicPr>
+            <a:picLocks noChangeAspect="1"/>
+          </p:cNvPicPr>
+          <p:nvPr/>
+        </p:nvPicPr>
+        <p:blipFill>
+          <a:blip r:embed="rId2">
+            <a:extLst>
+              <a:ext uri="{28A0092B-C50C-407E-A947-70E740481C1C}">
+                <a14:useLocalDpi xmlns:a14="http://schemas.microsoft.com/office/drawing/2010/main" val="0"/>
+              </a:ext>
+            </a:extLst>
+          </a:blip>
+          <a:stretch>
+            <a:fillRect/>
+          </a:stretch>
+        </p:blipFill>
+        <p:spPr>
+          <a:xfrm>
+            <a:off x="2060120" y="3779434"/>
+            <a:ext cx="1634224" cy="1634224"/>
+          </a:xfrm>
+          <a:prstGeom prst="rect">
+            <a:avLst/>
+          </a:prstGeom>
+        </p:spPr>
+      </p:pic>
+      <p:pic>
+        <p:nvPicPr>
+          <p:cNvPr id="11" name="Picture 10" descr="document.png"/>
+          <p:cNvPicPr>
+            <a:picLocks noChangeAspect="1"/>
+          </p:cNvPicPr>
+          <p:nvPr/>
+        </p:nvPicPr>
+        <p:blipFill>
+          <a:blip r:embed="rId2">
+            <a:extLst>
+              <a:ext uri="{28A0092B-C50C-407E-A947-70E740481C1C}">
+                <a14:useLocalDpi xmlns:a14="http://schemas.microsoft.com/office/drawing/2010/main" val="0"/>
+              </a:ext>
+            </a:extLst>
+          </a:blip>
+          <a:stretch>
+            <a:fillRect/>
+          </a:stretch>
+        </p:blipFill>
+        <p:spPr>
+          <a:xfrm>
+            <a:off x="3482606" y="3779434"/>
+            <a:ext cx="1634224" cy="1634224"/>
+          </a:xfrm>
+          <a:prstGeom prst="rect">
+            <a:avLst/>
+          </a:prstGeom>
+        </p:spPr>
+      </p:pic>
+      <p:sp>
+        <p:nvSpPr>
+          <p:cNvPr id="12" name="TextBox 11"/>
           <p:cNvSpPr txBox="1"/>
           <p:nvPr/>
         </p:nvSpPr>
         <p:spPr>
           <a:xfrm>
-            <a:off x="676364" y="1019871"/>
-            <a:ext cx="7791273" cy="3954929"/>
+            <a:off x="1013987" y="2007481"/>
+            <a:ext cx="370050" cy="492443"/>
           </a:xfrm>
           <a:prstGeom prst="rect">
             <a:avLst/>
@@ -3776,77 +3963,362 @@
           <a:noFill/>
         </p:spPr>
         <p:txBody>
-          <a:bodyPr wrap="square" rtlCol="0">
+          <a:bodyPr wrap="none" rtlCol="0">
             <a:spAutoFit/>
           </a:bodyPr>
           <a:lstStyle/>
           <a:p>
-            <a:pPr>
-              <a:lnSpc>
-                <a:spcPct val="120000"/>
-              </a:lnSpc>
-            </a:pPr>
-            <a:r>
-              <a:rPr lang="en-US" sz="3000" dirty="0" smtClean="0">
-                <a:latin typeface="Helvetica Neue"/>
-                <a:cs typeface="Helvetica Neue"/>
-              </a:rPr>
-              <a:t>Design a text classification system</a:t>
-            </a:r>
-          </a:p>
-          <a:p>
-            <a:pPr>
-              <a:lnSpc>
-                <a:spcPct val="120000"/>
-              </a:lnSpc>
-            </a:pPr>
-            <a:endParaRPr lang="en-US" sz="3000" dirty="0">
+            <a:r>
+              <a:rPr lang="en-US" sz="2600" b="1" dirty="0" smtClean="0">
+                <a:solidFill>
+                  <a:srgbClr val="539FD8"/>
+                </a:solidFill>
+                <a:latin typeface="Helvetica Neue"/>
+                <a:cs typeface="Helvetica Neue"/>
+              </a:rPr>
+              <a:t>1</a:t>
+            </a:r>
+            <a:endParaRPr lang="en-US" sz="2600" b="1" dirty="0">
+              <a:solidFill>
+                <a:srgbClr val="539FD8"/>
+              </a:solidFill>
               <a:latin typeface="Helvetica Neue"/>
               <a:cs typeface="Helvetica Neue"/>
             </a:endParaRPr>
           </a:p>
-          <a:p>
-            <a:pPr>
-              <a:lnSpc>
-                <a:spcPct val="120000"/>
-              </a:lnSpc>
-            </a:pPr>
-            <a:r>
-              <a:rPr lang="en-US" sz="3000" dirty="0" smtClean="0">
-                <a:latin typeface="Helvetica Neue"/>
-                <a:cs typeface="Helvetica Neue"/>
-              </a:rPr>
-              <a:t>Train on lots of geotagged tweets and look for similarities between tweets that don’t have locations</a:t>
-            </a:r>
-          </a:p>
-          <a:p>
-            <a:pPr>
-              <a:lnSpc>
-                <a:spcPct val="120000"/>
-              </a:lnSpc>
-            </a:pPr>
-            <a:endParaRPr lang="en-US" sz="3000" dirty="0">
+        </p:txBody>
+      </p:sp>
+      <p:sp>
+        <p:nvSpPr>
+          <p:cNvPr id="13" name="Rectangle 12"/>
+          <p:cNvSpPr/>
+          <p:nvPr/>
+        </p:nvSpPr>
+        <p:spPr>
+          <a:xfrm>
+            <a:off x="2425243" y="2007481"/>
+            <a:ext cx="355790" cy="461665"/>
+          </a:xfrm>
+          <a:prstGeom prst="rect">
+            <a:avLst/>
+          </a:prstGeom>
+        </p:spPr>
+        <p:txBody>
+          <a:bodyPr wrap="none">
+            <a:spAutoFit/>
+          </a:bodyPr>
+          <a:lstStyle/>
+          <a:p>
+            <a:r>
+              <a:rPr lang="en-US" sz="2400" b="1" dirty="0" smtClean="0">
+                <a:solidFill>
+                  <a:srgbClr val="539FD8"/>
+                </a:solidFill>
+                <a:latin typeface="Helvetica Neue"/>
+                <a:cs typeface="Helvetica Neue"/>
+              </a:rPr>
+              <a:t>2</a:t>
+            </a:r>
+            <a:endParaRPr lang="en-US" sz="2400" b="1" dirty="0">
+              <a:solidFill>
+                <a:srgbClr val="539FD8"/>
+              </a:solidFill>
               <a:latin typeface="Helvetica Neue"/>
               <a:cs typeface="Helvetica Neue"/>
             </a:endParaRPr>
           </a:p>
-          <a:p>
-            <a:pPr>
-              <a:lnSpc>
-                <a:spcPct val="120000"/>
-              </a:lnSpc>
-            </a:pPr>
-            <a:endParaRPr lang="en-US" sz="3000" dirty="0" smtClean="0">
+        </p:txBody>
+      </p:sp>
+      <p:sp>
+        <p:nvSpPr>
+          <p:cNvPr id="14" name="TextBox 13"/>
+          <p:cNvSpPr txBox="1"/>
+          <p:nvPr/>
+        </p:nvSpPr>
+        <p:spPr>
+          <a:xfrm>
+            <a:off x="2425718" y="3893842"/>
+            <a:ext cx="370050" cy="492443"/>
+          </a:xfrm>
+          <a:prstGeom prst="rect">
+            <a:avLst/>
+          </a:prstGeom>
+          <a:noFill/>
+        </p:spPr>
+        <p:txBody>
+          <a:bodyPr wrap="none" rtlCol="0">
+            <a:spAutoFit/>
+          </a:bodyPr>
+          <a:lstStyle/>
+          <a:p>
+            <a:r>
+              <a:rPr lang="en-US" sz="2600" b="1" dirty="0" smtClean="0">
+                <a:solidFill>
+                  <a:srgbClr val="539FD8"/>
+                </a:solidFill>
+                <a:latin typeface="Helvetica Neue"/>
+                <a:cs typeface="Helvetica Neue"/>
+              </a:rPr>
+              <a:t>1</a:t>
+            </a:r>
+            <a:endParaRPr lang="en-US" sz="2600" b="1" dirty="0">
+              <a:solidFill>
+                <a:srgbClr val="539FD8"/>
+              </a:solidFill>
               <a:latin typeface="Helvetica Neue"/>
               <a:cs typeface="Helvetica Neue"/>
             </a:endParaRPr>
           </a:p>
         </p:txBody>
       </p:sp>
+      <p:sp>
+        <p:nvSpPr>
+          <p:cNvPr id="15" name="Rectangle 14"/>
+          <p:cNvSpPr/>
+          <p:nvPr/>
+        </p:nvSpPr>
+        <p:spPr>
+          <a:xfrm>
+            <a:off x="3836974" y="3893842"/>
+            <a:ext cx="355790" cy="461665"/>
+          </a:xfrm>
+          <a:prstGeom prst="rect">
+            <a:avLst/>
+          </a:prstGeom>
+        </p:spPr>
+        <p:txBody>
+          <a:bodyPr wrap="none">
+            <a:spAutoFit/>
+          </a:bodyPr>
+          <a:lstStyle/>
+          <a:p>
+            <a:r>
+              <a:rPr lang="en-US" sz="2400" b="1" dirty="0" smtClean="0">
+                <a:solidFill>
+                  <a:srgbClr val="539FD8"/>
+                </a:solidFill>
+                <a:latin typeface="Helvetica Neue"/>
+                <a:cs typeface="Helvetica Neue"/>
+              </a:rPr>
+              <a:t>2</a:t>
+            </a:r>
+            <a:endParaRPr lang="en-US" sz="2400" b="1" dirty="0">
+              <a:solidFill>
+                <a:srgbClr val="539FD8"/>
+              </a:solidFill>
+              <a:latin typeface="Helvetica Neue"/>
+              <a:cs typeface="Helvetica Neue"/>
+            </a:endParaRPr>
+          </a:p>
+        </p:txBody>
+      </p:sp>
+      <p:sp>
+        <p:nvSpPr>
+          <p:cNvPr id="16" name="Rectangle 15"/>
+          <p:cNvSpPr/>
+          <p:nvPr/>
+        </p:nvSpPr>
+        <p:spPr>
+          <a:xfrm>
+            <a:off x="1030353" y="3924620"/>
+            <a:ext cx="355790" cy="461665"/>
+          </a:xfrm>
+          <a:prstGeom prst="rect">
+            <a:avLst/>
+          </a:prstGeom>
+        </p:spPr>
+        <p:txBody>
+          <a:bodyPr wrap="none">
+            <a:spAutoFit/>
+          </a:bodyPr>
+          <a:lstStyle/>
+          <a:p>
+            <a:r>
+              <a:rPr lang="en-US" sz="2400" b="1" dirty="0" smtClean="0">
+                <a:solidFill>
+                  <a:srgbClr val="539FD8"/>
+                </a:solidFill>
+                <a:latin typeface="Helvetica Neue"/>
+                <a:cs typeface="Helvetica Neue"/>
+              </a:rPr>
+              <a:t>2</a:t>
+            </a:r>
+            <a:endParaRPr lang="en-US" sz="2400" b="1" dirty="0">
+              <a:solidFill>
+                <a:srgbClr val="539FD8"/>
+              </a:solidFill>
+              <a:latin typeface="Helvetica Neue"/>
+              <a:cs typeface="Helvetica Neue"/>
+            </a:endParaRPr>
+          </a:p>
+        </p:txBody>
+      </p:sp>
+      <p:sp>
+        <p:nvSpPr>
+          <p:cNvPr id="17" name="TextBox 16"/>
+          <p:cNvSpPr txBox="1"/>
+          <p:nvPr/>
+        </p:nvSpPr>
+        <p:spPr>
+          <a:xfrm>
+            <a:off x="3864964" y="2007481"/>
+            <a:ext cx="382874" cy="492443"/>
+          </a:xfrm>
+          <a:prstGeom prst="rect">
+            <a:avLst/>
+          </a:prstGeom>
+          <a:noFill/>
+        </p:spPr>
+        <p:txBody>
+          <a:bodyPr wrap="none" rtlCol="0">
+            <a:spAutoFit/>
+          </a:bodyPr>
+          <a:lstStyle/>
+          <a:p>
+            <a:r>
+              <a:rPr lang="en-US" sz="2600" b="1" dirty="0">
+                <a:solidFill>
+                  <a:srgbClr val="539FD8"/>
+                </a:solidFill>
+                <a:latin typeface="Helvetica Neue"/>
+                <a:cs typeface="Helvetica Neue"/>
+              </a:rPr>
+              <a:t>2</a:t>
+            </a:r>
+            <a:endParaRPr lang="en-US" sz="2600" b="1" dirty="0">
+              <a:solidFill>
+                <a:srgbClr val="539FD8"/>
+              </a:solidFill>
+              <a:latin typeface="Helvetica Neue"/>
+              <a:cs typeface="Helvetica Neue"/>
+            </a:endParaRPr>
+          </a:p>
+        </p:txBody>
+      </p:sp>
+      <p:sp>
+        <p:nvSpPr>
+          <p:cNvPr id="18" name="Right Arrow 17"/>
+          <p:cNvSpPr/>
+          <p:nvPr/>
+        </p:nvSpPr>
+        <p:spPr>
+          <a:xfrm>
+            <a:off x="5165678" y="3115539"/>
+            <a:ext cx="1478203" cy="1018892"/>
+          </a:xfrm>
+          <a:prstGeom prst="rightArrow">
+            <a:avLst>
+              <a:gd name="adj1" fmla="val 31935"/>
+              <a:gd name="adj2" fmla="val 69002"/>
+            </a:avLst>
+          </a:prstGeom>
+          <a:solidFill>
+            <a:srgbClr val="539FD8"/>
+          </a:solidFill>
+          <a:ln>
+            <a:noFill/>
+          </a:ln>
+          <a:effectLst/>
+        </p:spPr>
+        <p:style>
+          <a:lnRef idx="1">
+            <a:schemeClr val="accent1"/>
+          </a:lnRef>
+          <a:fillRef idx="3">
+            <a:schemeClr val="accent1"/>
+          </a:fillRef>
+          <a:effectRef idx="2">
+            <a:schemeClr val="accent1"/>
+          </a:effectRef>
+          <a:fontRef idx="minor">
+            <a:schemeClr val="lt1"/>
+          </a:fontRef>
+        </p:style>
+        <p:txBody>
+          <a:bodyPr rtlCol="0" anchor="ctr"/>
+          <a:lstStyle/>
+          <a:p>
+            <a:pPr algn="ctr"/>
+            <a:endParaRPr lang="en-US"/>
+          </a:p>
+        </p:txBody>
+      </p:sp>
+      <p:pic>
+        <p:nvPicPr>
+          <p:cNvPr id="19" name="Picture 18" descr="document.png"/>
+          <p:cNvPicPr>
+            <a:picLocks noChangeAspect="1"/>
+          </p:cNvPicPr>
+          <p:nvPr/>
+        </p:nvPicPr>
+        <p:blipFill>
+          <a:blip r:embed="rId2">
+            <a:extLst>
+              <a:ext uri="{28A0092B-C50C-407E-A947-70E740481C1C}">
+                <a14:useLocalDpi xmlns:a14="http://schemas.microsoft.com/office/drawing/2010/main" val="0"/>
+              </a:ext>
+            </a:extLst>
+          </a:blip>
+          <a:stretch>
+            <a:fillRect/>
+          </a:stretch>
+        </p:blipFill>
+        <p:spPr>
+          <a:xfrm>
+            <a:off x="6858206" y="2752061"/>
+            <a:ext cx="1634224" cy="1634224"/>
+          </a:xfrm>
+          <a:prstGeom prst="rect">
+            <a:avLst/>
+          </a:prstGeom>
+        </p:spPr>
+      </p:pic>
+      <p:sp>
+        <p:nvSpPr>
+          <p:cNvPr id="21" name="TextBox 20"/>
+          <p:cNvSpPr txBox="1"/>
+          <p:nvPr/>
+        </p:nvSpPr>
+        <p:spPr>
+          <a:xfrm>
+            <a:off x="7256818" y="2869317"/>
+            <a:ext cx="370050" cy="492443"/>
+          </a:xfrm>
+          <a:prstGeom prst="rect">
+            <a:avLst/>
+          </a:prstGeom>
+          <a:noFill/>
+        </p:spPr>
+        <p:txBody>
+          <a:bodyPr wrap="none" rtlCol="0">
+            <a:spAutoFit/>
+          </a:bodyPr>
+          <a:lstStyle/>
+          <a:p>
+            <a:r>
+              <a:rPr lang="en-US" sz="2600" b="1" dirty="0" smtClean="0">
+                <a:solidFill>
+                  <a:srgbClr val="539FD8"/>
+                </a:solidFill>
+                <a:latin typeface="Helvetica Neue"/>
+                <a:cs typeface="Helvetica Neue"/>
+              </a:rPr>
+              <a:t>?</a:t>
+            </a:r>
+            <a:endParaRPr lang="en-US" sz="2600" b="1" dirty="0">
+              <a:solidFill>
+                <a:srgbClr val="539FD8"/>
+              </a:solidFill>
+              <a:latin typeface="Helvetica Neue"/>
+              <a:cs typeface="Helvetica Neue"/>
+            </a:endParaRPr>
+          </a:p>
+        </p:txBody>
+      </p:sp>
     </p:spTree>
     <p:extLst>
       <p:ext uri="{BB962C8B-B14F-4D97-AF65-F5344CB8AC3E}">
-        <p14:creationId xmlns:p14="http://schemas.microsoft.com/office/powerpoint/2010/main" val="2958739101"/>
+        <p14:creationId xmlns:p14="http://schemas.microsoft.com/office/powerpoint/2010/main" val="3893047051"/>
       </p:ext>
     </p:extLst>
   </p:cSld>
@@ -3902,202 +4374,22 @@
           <a:p>
             <a:r>
               <a:rPr lang="en-US" dirty="0" smtClean="0"/>
-              <a:t>Text Classification</a:t>
+              <a:t>Data</a:t>
             </a:r>
             <a:endParaRPr lang="en-US" dirty="0"/>
           </a:p>
         </p:txBody>
       </p:sp>
-      <p:pic>
-        <p:nvPicPr>
-          <p:cNvPr id="4" name="Picture 3" descr="document.png"/>
-          <p:cNvPicPr>
-            <a:picLocks noChangeAspect="1"/>
-          </p:cNvPicPr>
-          <p:nvPr/>
-        </p:nvPicPr>
-        <p:blipFill>
-          <a:blip r:embed="rId2">
-            <a:extLst>
-              <a:ext uri="{28A0092B-C50C-407E-A947-70E740481C1C}">
-                <a14:useLocalDpi xmlns:a14="http://schemas.microsoft.com/office/drawing/2010/main" val="0"/>
-              </a:ext>
-            </a:extLst>
-          </a:blip>
-          <a:stretch>
-            <a:fillRect/>
-          </a:stretch>
-        </p:blipFill>
-        <p:spPr>
-          <a:xfrm>
-            <a:off x="651571" y="1893073"/>
-            <a:ext cx="1634224" cy="1634224"/>
-          </a:xfrm>
-          <a:prstGeom prst="rect">
-            <a:avLst/>
-          </a:prstGeom>
-        </p:spPr>
-      </p:pic>
-      <p:pic>
-        <p:nvPicPr>
-          <p:cNvPr id="7" name="Picture 6" descr="document.png"/>
-          <p:cNvPicPr>
-            <a:picLocks noChangeAspect="1"/>
-          </p:cNvPicPr>
-          <p:nvPr/>
-        </p:nvPicPr>
-        <p:blipFill>
-          <a:blip r:embed="rId2">
-            <a:extLst>
-              <a:ext uri="{28A0092B-C50C-407E-A947-70E740481C1C}">
-                <a14:useLocalDpi xmlns:a14="http://schemas.microsoft.com/office/drawing/2010/main" val="0"/>
-              </a:ext>
-            </a:extLst>
-          </a:blip>
-          <a:stretch>
-            <a:fillRect/>
-          </a:stretch>
-        </p:blipFill>
-        <p:spPr>
-          <a:xfrm>
-            <a:off x="2060120" y="1893073"/>
-            <a:ext cx="1634224" cy="1634224"/>
-          </a:xfrm>
-          <a:prstGeom prst="rect">
-            <a:avLst/>
-          </a:prstGeom>
-        </p:spPr>
-      </p:pic>
-      <p:pic>
-        <p:nvPicPr>
-          <p:cNvPr id="8" name="Picture 7" descr="document.png"/>
-          <p:cNvPicPr>
-            <a:picLocks noChangeAspect="1"/>
-          </p:cNvPicPr>
-          <p:nvPr/>
-        </p:nvPicPr>
-        <p:blipFill>
-          <a:blip r:embed="rId2">
-            <a:extLst>
-              <a:ext uri="{28A0092B-C50C-407E-A947-70E740481C1C}">
-                <a14:useLocalDpi xmlns:a14="http://schemas.microsoft.com/office/drawing/2010/main" val="0"/>
-              </a:ext>
-            </a:extLst>
-          </a:blip>
-          <a:stretch>
-            <a:fillRect/>
-          </a:stretch>
-        </p:blipFill>
-        <p:spPr>
-          <a:xfrm>
-            <a:off x="3482606" y="1893073"/>
-            <a:ext cx="1634224" cy="1634224"/>
-          </a:xfrm>
-          <a:prstGeom prst="rect">
-            <a:avLst/>
-          </a:prstGeom>
-        </p:spPr>
-      </p:pic>
-      <p:pic>
-        <p:nvPicPr>
-          <p:cNvPr id="9" name="Picture 8" descr="document.png"/>
-          <p:cNvPicPr>
-            <a:picLocks noChangeAspect="1"/>
-          </p:cNvPicPr>
-          <p:nvPr/>
-        </p:nvPicPr>
-        <p:blipFill>
-          <a:blip r:embed="rId2">
-            <a:extLst>
-              <a:ext uri="{28A0092B-C50C-407E-A947-70E740481C1C}">
-                <a14:useLocalDpi xmlns:a14="http://schemas.microsoft.com/office/drawing/2010/main" val="0"/>
-              </a:ext>
-            </a:extLst>
-          </a:blip>
-          <a:stretch>
-            <a:fillRect/>
-          </a:stretch>
-        </p:blipFill>
-        <p:spPr>
-          <a:xfrm>
-            <a:off x="651571" y="3779434"/>
-            <a:ext cx="1634224" cy="1634224"/>
-          </a:xfrm>
-          <a:prstGeom prst="rect">
-            <a:avLst/>
-          </a:prstGeom>
-        </p:spPr>
-      </p:pic>
-      <p:pic>
-        <p:nvPicPr>
-          <p:cNvPr id="10" name="Picture 9" descr="document.png"/>
-          <p:cNvPicPr>
-            <a:picLocks noChangeAspect="1"/>
-          </p:cNvPicPr>
-          <p:nvPr/>
-        </p:nvPicPr>
-        <p:blipFill>
-          <a:blip r:embed="rId2">
-            <a:extLst>
-              <a:ext uri="{28A0092B-C50C-407E-A947-70E740481C1C}">
-                <a14:useLocalDpi xmlns:a14="http://schemas.microsoft.com/office/drawing/2010/main" val="0"/>
-              </a:ext>
-            </a:extLst>
-          </a:blip>
-          <a:stretch>
-            <a:fillRect/>
-          </a:stretch>
-        </p:blipFill>
-        <p:spPr>
-          <a:xfrm>
-            <a:off x="2060120" y="3779434"/>
-            <a:ext cx="1634224" cy="1634224"/>
-          </a:xfrm>
-          <a:prstGeom prst="rect">
-            <a:avLst/>
-          </a:prstGeom>
-        </p:spPr>
-      </p:pic>
-      <p:pic>
-        <p:nvPicPr>
-          <p:cNvPr id="11" name="Picture 10" descr="document.png"/>
-          <p:cNvPicPr>
-            <a:picLocks noChangeAspect="1"/>
-          </p:cNvPicPr>
-          <p:nvPr/>
-        </p:nvPicPr>
-        <p:blipFill>
-          <a:blip r:embed="rId2">
-            <a:extLst>
-              <a:ext uri="{28A0092B-C50C-407E-A947-70E740481C1C}">
-                <a14:useLocalDpi xmlns:a14="http://schemas.microsoft.com/office/drawing/2010/main" val="0"/>
-              </a:ext>
-            </a:extLst>
-          </a:blip>
-          <a:stretch>
-            <a:fillRect/>
-          </a:stretch>
-        </p:blipFill>
-        <p:spPr>
-          <a:xfrm>
-            <a:off x="3482606" y="3779434"/>
-            <a:ext cx="1634224" cy="1634224"/>
-          </a:xfrm>
-          <a:prstGeom prst="rect">
-            <a:avLst/>
-          </a:prstGeom>
-        </p:spPr>
-      </p:pic>
-      <p:sp>
-        <p:nvSpPr>
-          <p:cNvPr id="12" name="TextBox 11"/>
+      <p:sp>
+        <p:nvSpPr>
+          <p:cNvPr id="24" name="TextBox 23"/>
           <p:cNvSpPr txBox="1"/>
           <p:nvPr/>
         </p:nvSpPr>
         <p:spPr>
           <a:xfrm>
-            <a:off x="1013987" y="2007481"/>
-            <a:ext cx="370050" cy="492443"/>
+            <a:off x="317521" y="1123412"/>
+            <a:ext cx="6763390" cy="5016758"/>
           </a:xfrm>
           <a:prstGeom prst="rect">
             <a:avLst/>
@@ -4111,183 +4403,127 @@
           <a:lstStyle/>
           <a:p>
             <a:r>
-              <a:rPr lang="en-US" sz="2600" b="1" dirty="0" smtClean="0">
+              <a:rPr lang="en-US" sz="5000" dirty="0" smtClean="0">
                 <a:solidFill>
                   <a:srgbClr val="539FD8"/>
                 </a:solidFill>
                 <a:latin typeface="Helvetica Neue"/>
                 <a:cs typeface="Helvetica Neue"/>
               </a:rPr>
-              <a:t>1</a:t>
-            </a:r>
-            <a:endParaRPr lang="en-US" sz="2600" b="1" dirty="0">
+              <a:t>Feb. 13, 2014</a:t>
+            </a:r>
+            <a:r>
+              <a:rPr lang="en-US" sz="3000" dirty="0" smtClean="0">
+                <a:latin typeface="Helvetica Neue"/>
+                <a:cs typeface="Helvetica Neue"/>
+              </a:rPr>
+              <a:t> collection date</a:t>
+            </a:r>
+          </a:p>
+          <a:p>
+            <a:r>
+              <a:rPr lang="en-US" sz="5000" dirty="0" smtClean="0">
+                <a:solidFill>
+                  <a:srgbClr val="539FD8"/>
+                </a:solidFill>
+                <a:latin typeface="Helvetica Neue"/>
+                <a:cs typeface="Helvetica Neue"/>
+              </a:rPr>
+              <a:t>144,546</a:t>
+            </a:r>
+            <a:r>
+              <a:rPr lang="en-US" sz="3000" dirty="0" smtClean="0">
+                <a:solidFill>
+                  <a:srgbClr val="000000"/>
+                </a:solidFill>
+                <a:latin typeface="Helvetica Neue"/>
+                <a:cs typeface="Helvetica Neue"/>
+              </a:rPr>
+              <a:t> geotagged tweets</a:t>
+            </a:r>
+          </a:p>
+          <a:p>
+            <a:r>
+              <a:rPr lang="en-US" sz="5000" dirty="0" smtClean="0">
+                <a:solidFill>
+                  <a:srgbClr val="539FD8"/>
+                </a:solidFill>
+                <a:latin typeface="Helvetica Neue"/>
+                <a:cs typeface="Helvetica Neue"/>
+              </a:rPr>
+              <a:t>84,860</a:t>
+            </a:r>
+            <a:r>
+              <a:rPr lang="en-US" sz="3000" dirty="0" smtClean="0">
+                <a:solidFill>
+                  <a:srgbClr val="000000"/>
+                </a:solidFill>
+                <a:latin typeface="Helvetica Neue"/>
+                <a:cs typeface="Helvetica Neue"/>
+              </a:rPr>
+              <a:t> unique users</a:t>
+            </a:r>
+          </a:p>
+          <a:p>
+            <a:r>
+              <a:rPr lang="en-US" sz="5000" dirty="0" smtClean="0">
+                <a:solidFill>
+                  <a:srgbClr val="539FD8"/>
+                </a:solidFill>
+                <a:latin typeface="Helvetica Neue"/>
+                <a:cs typeface="Helvetica Neue"/>
+              </a:rPr>
+              <a:t>1.7 </a:t>
+            </a:r>
+            <a:r>
+              <a:rPr lang="en-US" sz="3000" dirty="0" smtClean="0">
+                <a:solidFill>
+                  <a:srgbClr val="000000"/>
+                </a:solidFill>
+                <a:latin typeface="Helvetica Neue"/>
+                <a:cs typeface="Helvetica Neue"/>
+              </a:rPr>
+              <a:t>tweets per user</a:t>
+            </a:r>
+            <a:endParaRPr lang="en-US" sz="3000" dirty="0">
               <a:solidFill>
-                <a:srgbClr val="539FD8"/>
+                <a:srgbClr val="000000"/>
               </a:solidFill>
               <a:latin typeface="Helvetica Neue"/>
               <a:cs typeface="Helvetica Neue"/>
             </a:endParaRPr>
           </a:p>
-        </p:txBody>
-      </p:sp>
-      <p:sp>
-        <p:nvSpPr>
-          <p:cNvPr id="13" name="Rectangle 12"/>
-          <p:cNvSpPr/>
-          <p:nvPr/>
-        </p:nvSpPr>
-        <p:spPr>
-          <a:xfrm>
-            <a:off x="2425243" y="2007481"/>
-            <a:ext cx="355790" cy="461665"/>
-          </a:xfrm>
-          <a:prstGeom prst="rect">
-            <a:avLst/>
-          </a:prstGeom>
-        </p:spPr>
-        <p:txBody>
-          <a:bodyPr wrap="none">
-            <a:spAutoFit/>
-          </a:bodyPr>
-          <a:lstStyle/>
-          <a:p>
-            <a:r>
-              <a:rPr lang="en-US" sz="2400" b="1" dirty="0" smtClean="0">
-                <a:solidFill>
-                  <a:srgbClr val="539FD8"/>
-                </a:solidFill>
-                <a:latin typeface="Helvetica Neue"/>
-                <a:cs typeface="Helvetica Neue"/>
-              </a:rPr>
-              <a:t>2</a:t>
-            </a:r>
-            <a:endParaRPr lang="en-US" sz="2400" b="1" dirty="0">
+          <a:p>
+            <a:endParaRPr lang="en-US" sz="3000" dirty="0" smtClean="0">
               <a:solidFill>
-                <a:srgbClr val="539FD8"/>
+                <a:srgbClr val="000000"/>
               </a:solidFill>
               <a:latin typeface="Helvetica Neue"/>
               <a:cs typeface="Helvetica Neue"/>
             </a:endParaRPr>
           </a:p>
-        </p:txBody>
-      </p:sp>
-      <p:sp>
-        <p:nvSpPr>
-          <p:cNvPr id="14" name="TextBox 13"/>
-          <p:cNvSpPr txBox="1"/>
-          <p:nvPr/>
-        </p:nvSpPr>
-        <p:spPr>
-          <a:xfrm>
-            <a:off x="2425718" y="3893842"/>
-            <a:ext cx="370050" cy="492443"/>
-          </a:xfrm>
-          <a:prstGeom prst="rect">
-            <a:avLst/>
-          </a:prstGeom>
-          <a:noFill/>
-        </p:spPr>
-        <p:txBody>
-          <a:bodyPr wrap="none" rtlCol="0">
-            <a:spAutoFit/>
-          </a:bodyPr>
-          <a:lstStyle/>
-          <a:p>
-            <a:r>
-              <a:rPr lang="en-US" sz="2600" b="1" dirty="0" smtClean="0">
-                <a:solidFill>
-                  <a:srgbClr val="539FD8"/>
-                </a:solidFill>
-                <a:latin typeface="Helvetica Neue"/>
-                <a:cs typeface="Helvetica Neue"/>
-              </a:rPr>
-              <a:t>1</a:t>
-            </a:r>
-            <a:endParaRPr lang="en-US" sz="2600" b="1" dirty="0">
+          <a:p>
+            <a:endParaRPr lang="en-US" sz="3000" dirty="0" smtClean="0">
               <a:solidFill>
-                <a:srgbClr val="539FD8"/>
+                <a:srgbClr val="000000"/>
               </a:solidFill>
               <a:latin typeface="Helvetica Neue"/>
               <a:cs typeface="Helvetica Neue"/>
             </a:endParaRPr>
           </a:p>
-        </p:txBody>
-      </p:sp>
-      <p:sp>
-        <p:nvSpPr>
-          <p:cNvPr id="15" name="Rectangle 14"/>
-          <p:cNvSpPr/>
-          <p:nvPr/>
-        </p:nvSpPr>
-        <p:spPr>
-          <a:xfrm>
-            <a:off x="3836974" y="3893842"/>
-            <a:ext cx="355790" cy="461665"/>
-          </a:xfrm>
-          <a:prstGeom prst="rect">
-            <a:avLst/>
-          </a:prstGeom>
-        </p:spPr>
-        <p:txBody>
-          <a:bodyPr wrap="none">
-            <a:spAutoFit/>
-          </a:bodyPr>
-          <a:lstStyle/>
-          <a:p>
-            <a:r>
-              <a:rPr lang="en-US" sz="2400" b="1" dirty="0" smtClean="0">
-                <a:solidFill>
-                  <a:srgbClr val="539FD8"/>
-                </a:solidFill>
-                <a:latin typeface="Helvetica Neue"/>
-                <a:cs typeface="Helvetica Neue"/>
-              </a:rPr>
-              <a:t>2</a:t>
-            </a:r>
-            <a:endParaRPr lang="en-US" sz="2400" b="1" dirty="0">
+          <a:p>
+            <a:endParaRPr lang="en-US" sz="3000" dirty="0">
               <a:solidFill>
-                <a:srgbClr val="539FD8"/>
+                <a:srgbClr val="000000"/>
               </a:solidFill>
               <a:latin typeface="Helvetica Neue"/>
               <a:cs typeface="Helvetica Neue"/>
             </a:endParaRPr>
           </a:p>
-        </p:txBody>
-      </p:sp>
-      <p:sp>
-        <p:nvSpPr>
-          <p:cNvPr id="16" name="Rectangle 15"/>
-          <p:cNvSpPr/>
-          <p:nvPr/>
-        </p:nvSpPr>
-        <p:spPr>
-          <a:xfrm>
-            <a:off x="1030353" y="3924620"/>
-            <a:ext cx="355790" cy="461665"/>
-          </a:xfrm>
-          <a:prstGeom prst="rect">
-            <a:avLst/>
-          </a:prstGeom>
-        </p:spPr>
-        <p:txBody>
-          <a:bodyPr wrap="none">
-            <a:spAutoFit/>
-          </a:bodyPr>
-          <a:lstStyle/>
-          <a:p>
-            <a:r>
-              <a:rPr lang="en-US" sz="2400" b="1" dirty="0" smtClean="0">
-                <a:solidFill>
-                  <a:srgbClr val="539FD8"/>
-                </a:solidFill>
-                <a:latin typeface="Helvetica Neue"/>
-                <a:cs typeface="Helvetica Neue"/>
-              </a:rPr>
-              <a:t>2</a:t>
-            </a:r>
-            <a:endParaRPr lang="en-US" sz="2400" b="1" dirty="0">
+          <a:p>
+            <a:endParaRPr lang="en-US" sz="3000" dirty="0">
               <a:solidFill>
-                <a:srgbClr val="539FD8"/>
+                <a:srgbClr val="000000"/>
               </a:solidFill>
               <a:latin typeface="Helvetica Neue"/>
               <a:cs typeface="Helvetica Neue"/>
@@ -4295,172 +4531,10 @@
           </a:p>
         </p:txBody>
       </p:sp>
-      <p:sp>
-        <p:nvSpPr>
-          <p:cNvPr id="17" name="TextBox 16"/>
-          <p:cNvSpPr txBox="1"/>
-          <p:nvPr/>
-        </p:nvSpPr>
-        <p:spPr>
-          <a:xfrm>
-            <a:off x="3864964" y="2007481"/>
-            <a:ext cx="382874" cy="492443"/>
-          </a:xfrm>
-          <a:prstGeom prst="rect">
-            <a:avLst/>
-          </a:prstGeom>
-          <a:noFill/>
-        </p:spPr>
-        <p:txBody>
-          <a:bodyPr wrap="none" rtlCol="0">
-            <a:spAutoFit/>
-          </a:bodyPr>
-          <a:lstStyle/>
-          <a:p>
-            <a:r>
-              <a:rPr lang="en-US" sz="2600" b="1" dirty="0">
-                <a:solidFill>
-                  <a:srgbClr val="539FD8"/>
-                </a:solidFill>
-                <a:latin typeface="Helvetica Neue"/>
-                <a:cs typeface="Helvetica Neue"/>
-              </a:rPr>
-              <a:t>2</a:t>
-            </a:r>
-            <a:endParaRPr lang="en-US" sz="2600" b="1" dirty="0">
-              <a:solidFill>
-                <a:srgbClr val="539FD8"/>
-              </a:solidFill>
-              <a:latin typeface="Helvetica Neue"/>
-              <a:cs typeface="Helvetica Neue"/>
-            </a:endParaRPr>
-          </a:p>
-        </p:txBody>
-      </p:sp>
-      <p:sp>
-        <p:nvSpPr>
-          <p:cNvPr id="18" name="Right Arrow 17"/>
-          <p:cNvSpPr/>
-          <p:nvPr/>
-        </p:nvSpPr>
-        <p:spPr>
-          <a:xfrm>
-            <a:off x="5165678" y="3115539"/>
-            <a:ext cx="1478203" cy="1018892"/>
-          </a:xfrm>
-          <a:prstGeom prst="rightArrow">
-            <a:avLst>
-              <a:gd name="adj1" fmla="val 31935"/>
-              <a:gd name="adj2" fmla="val 69002"/>
-            </a:avLst>
-          </a:prstGeom>
-          <a:solidFill>
-            <a:srgbClr val="539FD8"/>
-          </a:solidFill>
-          <a:ln>
-            <a:noFill/>
-          </a:ln>
-          <a:effectLst/>
-        </p:spPr>
-        <p:style>
-          <a:lnRef idx="1">
-            <a:schemeClr val="accent1"/>
-          </a:lnRef>
-          <a:fillRef idx="3">
-            <a:schemeClr val="accent1"/>
-          </a:fillRef>
-          <a:effectRef idx="2">
-            <a:schemeClr val="accent1"/>
-          </a:effectRef>
-          <a:fontRef idx="minor">
-            <a:schemeClr val="lt1"/>
-          </a:fontRef>
-        </p:style>
-        <p:txBody>
-          <a:bodyPr rtlCol="0" anchor="ctr"/>
-          <a:lstStyle/>
-          <a:p>
-            <a:pPr algn="ctr"/>
-            <a:endParaRPr lang="en-US"/>
-          </a:p>
-        </p:txBody>
-      </p:sp>
-      <p:pic>
-        <p:nvPicPr>
-          <p:cNvPr id="19" name="Picture 18" descr="document.png"/>
-          <p:cNvPicPr>
-            <a:picLocks noChangeAspect="1"/>
-          </p:cNvPicPr>
-          <p:nvPr/>
-        </p:nvPicPr>
-        <p:blipFill>
-          <a:blip r:embed="rId2">
-            <a:extLst>
-              <a:ext uri="{28A0092B-C50C-407E-A947-70E740481C1C}">
-                <a14:useLocalDpi xmlns:a14="http://schemas.microsoft.com/office/drawing/2010/main" val="0"/>
-              </a:ext>
-            </a:extLst>
-          </a:blip>
-          <a:stretch>
-            <a:fillRect/>
-          </a:stretch>
-        </p:blipFill>
-        <p:spPr>
-          <a:xfrm>
-            <a:off x="6858206" y="2752061"/>
-            <a:ext cx="1634224" cy="1634224"/>
-          </a:xfrm>
-          <a:prstGeom prst="rect">
-            <a:avLst/>
-          </a:prstGeom>
-        </p:spPr>
-      </p:pic>
-      <p:sp>
-        <p:nvSpPr>
-          <p:cNvPr id="21" name="TextBox 20"/>
-          <p:cNvSpPr txBox="1"/>
-          <p:nvPr/>
-        </p:nvSpPr>
-        <p:spPr>
-          <a:xfrm>
-            <a:off x="7256818" y="2869317"/>
-            <a:ext cx="370050" cy="492443"/>
-          </a:xfrm>
-          <a:prstGeom prst="rect">
-            <a:avLst/>
-          </a:prstGeom>
-          <a:noFill/>
-        </p:spPr>
-        <p:txBody>
-          <a:bodyPr wrap="none" rtlCol="0">
-            <a:spAutoFit/>
-          </a:bodyPr>
-          <a:lstStyle/>
-          <a:p>
-            <a:r>
-              <a:rPr lang="en-US" sz="2600" b="1" dirty="0" smtClean="0">
-                <a:solidFill>
-                  <a:srgbClr val="539FD8"/>
-                </a:solidFill>
-                <a:latin typeface="Helvetica Neue"/>
-                <a:cs typeface="Helvetica Neue"/>
-              </a:rPr>
-              <a:t>?</a:t>
-            </a:r>
-            <a:endParaRPr lang="en-US" sz="2600" b="1" dirty="0">
-              <a:solidFill>
-                <a:srgbClr val="539FD8"/>
-              </a:solidFill>
-              <a:latin typeface="Helvetica Neue"/>
-              <a:cs typeface="Helvetica Neue"/>
-            </a:endParaRPr>
-          </a:p>
-        </p:txBody>
-      </p:sp>
     </p:spTree>
     <p:extLst>
       <p:ext uri="{BB962C8B-B14F-4D97-AF65-F5344CB8AC3E}">
-        <p14:creationId xmlns:p14="http://schemas.microsoft.com/office/powerpoint/2010/main" val="3893047051"/>
+        <p14:creationId xmlns:p14="http://schemas.microsoft.com/office/powerpoint/2010/main" val="3975348710"/>
       </p:ext>
     </p:extLst>
   </p:cSld>
@@ -4522,114 +4596,100 @@
           </a:p>
         </p:txBody>
       </p:sp>
-      <p:sp>
-        <p:nvSpPr>
-          <p:cNvPr id="24" name="TextBox 23"/>
-          <p:cNvSpPr txBox="1"/>
+      <p:pic>
+        <p:nvPicPr>
+          <p:cNvPr id="3" name="Picture 2" descr="full_country_map.png"/>
+          <p:cNvPicPr>
+            <a:picLocks noChangeAspect="1"/>
+          </p:cNvPicPr>
           <p:nvPr/>
-        </p:nvSpPr>
-        <p:spPr>
-          <a:xfrm>
-            <a:off x="317521" y="1123412"/>
-            <a:ext cx="6763390" cy="3323987"/>
+        </p:nvPicPr>
+        <p:blipFill>
+          <a:blip r:embed="rId2">
+            <a:extLst>
+              <a:ext uri="{28A0092B-C50C-407E-A947-70E740481C1C}">
+                <a14:useLocalDpi xmlns:a14="http://schemas.microsoft.com/office/drawing/2010/main" val="0"/>
+              </a:ext>
+            </a:extLst>
+          </a:blip>
+          <a:stretch>
+            <a:fillRect/>
+          </a:stretch>
+        </p:blipFill>
+        <p:spPr>
+          <a:xfrm>
+            <a:off x="295912" y="1288975"/>
+            <a:ext cx="8593788" cy="5149111"/>
           </a:xfrm>
           <a:prstGeom prst="rect">
             <a:avLst/>
           </a:prstGeom>
-          <a:noFill/>
-        </p:spPr>
-        <p:txBody>
-          <a:bodyPr wrap="none" rtlCol="0">
-            <a:spAutoFit/>
-          </a:bodyPr>
-          <a:lstStyle/>
-          <a:p>
-            <a:r>
-              <a:rPr lang="en-US" sz="5000" dirty="0" smtClean="0">
-                <a:solidFill>
-                  <a:srgbClr val="539FD8"/>
-                </a:solidFill>
-                <a:latin typeface="Helvetica Neue"/>
-                <a:cs typeface="Helvetica Neue"/>
-              </a:rPr>
-              <a:t>Feb. 13, 2014</a:t>
-            </a:r>
-            <a:r>
-              <a:rPr lang="en-US" sz="3000" dirty="0" smtClean="0">
-                <a:latin typeface="Helvetica Neue"/>
-                <a:cs typeface="Helvetica Neue"/>
-              </a:rPr>
-              <a:t> collection date</a:t>
-            </a:r>
-          </a:p>
-          <a:p>
-            <a:r>
-              <a:rPr lang="en-US" sz="5000" dirty="0" smtClean="0">
-                <a:solidFill>
-                  <a:srgbClr val="539FD8"/>
-                </a:solidFill>
-                <a:latin typeface="Helvetica Neue"/>
-                <a:cs typeface="Helvetica Neue"/>
-              </a:rPr>
-              <a:t>144,546</a:t>
-            </a:r>
-            <a:r>
-              <a:rPr lang="en-US" sz="3000" dirty="0" smtClean="0">
-                <a:solidFill>
-                  <a:srgbClr val="000000"/>
-                </a:solidFill>
-                <a:latin typeface="Helvetica Neue"/>
-                <a:cs typeface="Helvetica Neue"/>
-              </a:rPr>
-              <a:t> geotagged tweets</a:t>
-            </a:r>
-          </a:p>
-          <a:p>
-            <a:r>
-              <a:rPr lang="en-US" sz="5000" dirty="0" smtClean="0">
-                <a:solidFill>
-                  <a:srgbClr val="539FD8"/>
-                </a:solidFill>
-                <a:latin typeface="Helvetica Neue"/>
-                <a:cs typeface="Helvetica Neue"/>
-              </a:rPr>
-              <a:t>84,860</a:t>
-            </a:r>
-            <a:r>
-              <a:rPr lang="en-US" sz="3000" dirty="0" smtClean="0">
-                <a:solidFill>
-                  <a:srgbClr val="000000"/>
-                </a:solidFill>
-                <a:latin typeface="Helvetica Neue"/>
-                <a:cs typeface="Helvetica Neue"/>
-              </a:rPr>
-              <a:t> unique users</a:t>
-            </a:r>
-          </a:p>
-          <a:p>
-            <a:endParaRPr lang="en-US" sz="3000" dirty="0">
-              <a:solidFill>
-                <a:srgbClr val="000000"/>
-              </a:solidFill>
-              <a:latin typeface="Helvetica Neue"/>
-              <a:cs typeface="Helvetica Neue"/>
-            </a:endParaRPr>
-          </a:p>
-          <a:p>
-            <a:endParaRPr lang="en-US" sz="3000" dirty="0">
-              <a:solidFill>
-                <a:srgbClr val="000000"/>
-              </a:solidFill>
-              <a:latin typeface="Helvetica Neue"/>
-              <a:cs typeface="Helvetica Neue"/>
-            </a:endParaRPr>
-          </a:p>
-        </p:txBody>
-      </p:sp>
+        </p:spPr>
+      </p:pic>
+      <p:pic>
+        <p:nvPicPr>
+          <p:cNvPr id="4" name="Picture 3" descr="alaska.png"/>
+          <p:cNvPicPr>
+            <a:picLocks noChangeAspect="1"/>
+          </p:cNvPicPr>
+          <p:nvPr/>
+        </p:nvPicPr>
+        <p:blipFill>
+          <a:blip r:embed="rId3">
+            <a:extLst>
+              <a:ext uri="{28A0092B-C50C-407E-A947-70E740481C1C}">
+                <a14:useLocalDpi xmlns:a14="http://schemas.microsoft.com/office/drawing/2010/main" val="0"/>
+              </a:ext>
+            </a:extLst>
+          </a:blip>
+          <a:stretch>
+            <a:fillRect/>
+          </a:stretch>
+        </p:blipFill>
+        <p:spPr>
+          <a:xfrm>
+            <a:off x="295911" y="4920684"/>
+            <a:ext cx="1948091" cy="1517401"/>
+          </a:xfrm>
+          <a:prstGeom prst="rect">
+            <a:avLst/>
+          </a:prstGeom>
+        </p:spPr>
+      </p:pic>
+      <p:pic>
+        <p:nvPicPr>
+          <p:cNvPr id="5" name="Picture 4" descr="hawaii.png"/>
+          <p:cNvPicPr>
+            <a:picLocks noChangeAspect="1"/>
+          </p:cNvPicPr>
+          <p:nvPr/>
+        </p:nvPicPr>
+        <p:blipFill>
+          <a:blip r:embed="rId4">
+            <a:extLst>
+              <a:ext uri="{28A0092B-C50C-407E-A947-70E740481C1C}">
+                <a14:useLocalDpi xmlns:a14="http://schemas.microsoft.com/office/drawing/2010/main" val="0"/>
+              </a:ext>
+            </a:extLst>
+          </a:blip>
+          <a:stretch>
+            <a:fillRect/>
+          </a:stretch>
+        </p:blipFill>
+        <p:spPr>
+          <a:xfrm>
+            <a:off x="2244002" y="5178480"/>
+            <a:ext cx="1812463" cy="1259605"/>
+          </a:xfrm>
+          <a:prstGeom prst="rect">
+            <a:avLst/>
+          </a:prstGeom>
+        </p:spPr>
+      </p:pic>
     </p:spTree>
     <p:extLst>
       <p:ext uri="{BB962C8B-B14F-4D97-AF65-F5344CB8AC3E}">
-        <p14:creationId xmlns:p14="http://schemas.microsoft.com/office/powerpoint/2010/main" val="3975348710"/>
+        <p14:creationId xmlns:p14="http://schemas.microsoft.com/office/powerpoint/2010/main" val="2221725596"/>
       </p:ext>
     </p:extLst>
   </p:cSld>
@@ -6266,16 +6326,46 @@
           <a:p>
             <a:r>
               <a:rPr lang="en-US" dirty="0" smtClean="0"/>
-              <a:t>Multinomial Naïve Bayes</a:t>
+              <a:t>Feature Extraction</a:t>
             </a:r>
             <a:endParaRPr lang="en-US" dirty="0"/>
           </a:p>
         </p:txBody>
       </p:sp>
+      <p:pic>
+        <p:nvPicPr>
+          <p:cNvPr id="4" name="Picture 3" descr="feature_extraction_tweet.png"/>
+          <p:cNvPicPr>
+            <a:picLocks noChangeAspect="1"/>
+          </p:cNvPicPr>
+          <p:nvPr/>
+        </p:nvPicPr>
+        <p:blipFill>
+          <a:blip r:embed="rId2">
+            <a:extLst>
+              <a:ext uri="{28A0092B-C50C-407E-A947-70E740481C1C}">
+                <a14:useLocalDpi xmlns:a14="http://schemas.microsoft.com/office/drawing/2010/main" val="0"/>
+              </a:ext>
+            </a:extLst>
+          </a:blip>
+          <a:stretch>
+            <a:fillRect/>
+          </a:stretch>
+        </p:blipFill>
+        <p:spPr>
+          <a:xfrm>
+            <a:off x="762000" y="1871010"/>
+            <a:ext cx="7620000" cy="3581400"/>
+          </a:xfrm>
+          <a:prstGeom prst="rect">
+            <a:avLst/>
+          </a:prstGeom>
+        </p:spPr>
+      </p:pic>
     </p:spTree>
     <p:extLst>
       <p:ext uri="{BB962C8B-B14F-4D97-AF65-F5344CB8AC3E}">
-        <p14:creationId xmlns:p14="http://schemas.microsoft.com/office/powerpoint/2010/main" val="1528406612"/>
+        <p14:creationId xmlns:p14="http://schemas.microsoft.com/office/powerpoint/2010/main" val="2049718219"/>
       </p:ext>
     </p:extLst>
   </p:cSld>
@@ -6331,16 +6421,46 @@
           <a:p>
             <a:r>
               <a:rPr lang="en-US" dirty="0" smtClean="0"/>
-              <a:t>Bernoulli Naïve Bayes</a:t>
+              <a:t>Feature Extraction</a:t>
             </a:r>
             <a:endParaRPr lang="en-US" dirty="0"/>
           </a:p>
         </p:txBody>
       </p:sp>
+      <p:pic>
+        <p:nvPicPr>
+          <p:cNvPr id="5" name="Picture 4" descr="4sqtweet.png"/>
+          <p:cNvPicPr>
+            <a:picLocks noChangeAspect="1"/>
+          </p:cNvPicPr>
+          <p:nvPr/>
+        </p:nvPicPr>
+        <p:blipFill>
+          <a:blip r:embed="rId2">
+            <a:extLst>
+              <a:ext uri="{28A0092B-C50C-407E-A947-70E740481C1C}">
+                <a14:useLocalDpi xmlns:a14="http://schemas.microsoft.com/office/drawing/2010/main" val="0"/>
+              </a:ext>
+            </a:extLst>
+          </a:blip>
+          <a:stretch>
+            <a:fillRect/>
+          </a:stretch>
+        </p:blipFill>
+        <p:spPr>
+          <a:xfrm>
+            <a:off x="829630" y="1843212"/>
+            <a:ext cx="7632700" cy="2425700"/>
+          </a:xfrm>
+          <a:prstGeom prst="rect">
+            <a:avLst/>
+          </a:prstGeom>
+        </p:spPr>
+      </p:pic>
     </p:spTree>
     <p:extLst>
       <p:ext uri="{BB962C8B-B14F-4D97-AF65-F5344CB8AC3E}">
-        <p14:creationId xmlns:p14="http://schemas.microsoft.com/office/powerpoint/2010/main" val="3827103610"/>
+        <p14:creationId xmlns:p14="http://schemas.microsoft.com/office/powerpoint/2010/main" val="2625574462"/>
       </p:ext>
     </p:extLst>
   </p:cSld>
@@ -6396,16 +6516,152 @@
           <a:p>
             <a:r>
               <a:rPr lang="en-US" dirty="0" smtClean="0"/>
-              <a:t>K-Nearest Neighbor</a:t>
+              <a:t>Preprocessing</a:t>
             </a:r>
             <a:endParaRPr lang="en-US" dirty="0"/>
+          </a:p>
+        </p:txBody>
+      </p:sp>
+      <p:sp>
+        <p:nvSpPr>
+          <p:cNvPr id="6" name="TextBox 5"/>
+          <p:cNvSpPr txBox="1"/>
+          <p:nvPr/>
+        </p:nvSpPr>
+        <p:spPr>
+          <a:xfrm>
+            <a:off x="738141" y="1736888"/>
+            <a:ext cx="7728777" cy="3621505"/>
+          </a:xfrm>
+          <a:prstGeom prst="rect">
+            <a:avLst/>
+          </a:prstGeom>
+          <a:noFill/>
+        </p:spPr>
+        <p:txBody>
+          <a:bodyPr wrap="square" rtlCol="0">
+            <a:spAutoFit/>
+          </a:bodyPr>
+          <a:lstStyle/>
+          <a:p>
+            <a:pPr marL="342900" indent="-342900">
+              <a:lnSpc>
+                <a:spcPct val="120000"/>
+              </a:lnSpc>
+              <a:buFont typeface="+mj-lt"/>
+              <a:buAutoNum type="arabicPeriod"/>
+            </a:pPr>
+            <a:r>
+              <a:rPr lang="en-US" sz="3200" dirty="0" smtClean="0">
+                <a:latin typeface="Helvetica Neue"/>
+                <a:cs typeface="Helvetica Neue"/>
+              </a:rPr>
+              <a:t>Convert to lowercase</a:t>
+            </a:r>
+          </a:p>
+          <a:p>
+            <a:pPr marL="342900" indent="-342900">
+              <a:lnSpc>
+                <a:spcPct val="120000"/>
+              </a:lnSpc>
+              <a:buFont typeface="+mj-lt"/>
+              <a:buAutoNum type="arabicPeriod"/>
+            </a:pPr>
+            <a:r>
+              <a:rPr lang="en-US" sz="3200" dirty="0" smtClean="0">
+                <a:latin typeface="Helvetica Neue"/>
+                <a:cs typeface="Helvetica Neue"/>
+              </a:rPr>
+              <a:t>Remove @usernames</a:t>
+            </a:r>
+          </a:p>
+          <a:p>
+            <a:pPr marL="342900" indent="-342900">
+              <a:lnSpc>
+                <a:spcPct val="120000"/>
+              </a:lnSpc>
+              <a:buFont typeface="+mj-lt"/>
+              <a:buAutoNum type="arabicPeriod"/>
+            </a:pPr>
+            <a:r>
+              <a:rPr lang="en-US" sz="3200" dirty="0" smtClean="0">
+                <a:latin typeface="Helvetica Neue"/>
+                <a:cs typeface="Helvetica Neue"/>
+              </a:rPr>
+              <a:t>Remove links (</a:t>
+            </a:r>
+            <a:r>
+              <a:rPr lang="en-US" sz="3200" dirty="0" smtClean="0">
+                <a:latin typeface="Helvetica Neue"/>
+                <a:cs typeface="Helvetica Neue"/>
+                <a:hlinkClick r:id="rId2"/>
+              </a:rPr>
+              <a:t>http://t.co/asd1234asf9</a:t>
+            </a:r>
+            <a:r>
+              <a:rPr lang="en-US" sz="3200" dirty="0" smtClean="0">
+                <a:latin typeface="Helvetica Neue"/>
+                <a:cs typeface="Helvetica Neue"/>
+              </a:rPr>
+              <a:t>)</a:t>
+            </a:r>
+          </a:p>
+          <a:p>
+            <a:pPr marL="342900" indent="-342900">
+              <a:lnSpc>
+                <a:spcPct val="120000"/>
+              </a:lnSpc>
+              <a:buFont typeface="+mj-lt"/>
+              <a:buAutoNum type="arabicPeriod"/>
+            </a:pPr>
+            <a:r>
+              <a:rPr lang="en-US" sz="3200" dirty="0" smtClean="0">
+                <a:latin typeface="Helvetica Neue"/>
+                <a:cs typeface="Helvetica Neue"/>
+              </a:rPr>
+              <a:t>Remove all non-alphanumeric characters (excluding spaces)</a:t>
+            </a:r>
+          </a:p>
+          <a:p>
+            <a:pPr marL="342900" indent="-342900">
+              <a:lnSpc>
+                <a:spcPct val="120000"/>
+              </a:lnSpc>
+              <a:buFont typeface="+mj-lt"/>
+              <a:buAutoNum type="arabicPeriod"/>
+            </a:pPr>
+            <a:r>
+              <a:rPr lang="en-US" sz="3200" dirty="0" smtClean="0">
+                <a:latin typeface="Helvetica Neue"/>
+                <a:cs typeface="Helvetica Neue"/>
+              </a:rPr>
+              <a:t>Remove </a:t>
+            </a:r>
+            <a:r>
+              <a:rPr lang="en-US" sz="3200" dirty="0" err="1" smtClean="0">
+                <a:latin typeface="Helvetica Neue"/>
+                <a:cs typeface="Helvetica Neue"/>
+              </a:rPr>
+              <a:t>stopwords</a:t>
+            </a:r>
+            <a:r>
+              <a:rPr lang="en-US" sz="3200" dirty="0" smtClean="0">
+                <a:latin typeface="Helvetica Neue"/>
+                <a:cs typeface="Helvetica Neue"/>
+              </a:rPr>
+              <a:t> (me, the, a, you…)</a:t>
+            </a:r>
+            <a:endParaRPr lang="en-US" sz="3200" dirty="0">
+              <a:latin typeface="Helvetica Neue"/>
+              <a:cs typeface="Helvetica Neue"/>
+            </a:endParaRPr>
           </a:p>
         </p:txBody>
       </p:sp>
     </p:spTree>
     <p:extLst>
       <p:ext uri="{BB962C8B-B14F-4D97-AF65-F5344CB8AC3E}">
-        <p14:creationId xmlns:p14="http://schemas.microsoft.com/office/powerpoint/2010/main" val="1067525330"/>
+        <p14:creationId xmlns:p14="http://schemas.microsoft.com/office/powerpoint/2010/main" val="1477937053"/>
       </p:ext>
     </p:extLst>
   </p:cSld>
@@ -6461,7 +6717,7 @@
           <a:p>
             <a:r>
               <a:rPr lang="en-US" dirty="0" smtClean="0"/>
-              <a:t>Feature Extraction</a:t>
+              <a:t>Preprocessing</a:t>
             </a:r>
             <a:endParaRPr lang="en-US" dirty="0"/>
           </a:p>
@@ -6469,7 +6725,7 @@
       </p:sp>
       <p:pic>
         <p:nvPicPr>
-          <p:cNvPr id="4" name="Picture 3" descr="feature_extraction_tweet.png"/>
+          <p:cNvPr id="3" name="Picture 2" descr="postprocess1.png"/>
           <p:cNvPicPr>
             <a:picLocks noChangeAspect="1"/>
           </p:cNvPicPr>
@@ -6489,8 +6745,8 @@
         </p:blipFill>
         <p:spPr>
           <a:xfrm>
-            <a:off x="762000" y="1871010"/>
-            <a:ext cx="7620000" cy="3581400"/>
+            <a:off x="698500" y="1800745"/>
+            <a:ext cx="7747000" cy="3327400"/>
           </a:xfrm>
           <a:prstGeom prst="rect">
             <a:avLst/>
@@ -6500,7 +6756,7 @@
     </p:spTree>
     <p:extLst>
       <p:ext uri="{BB962C8B-B14F-4D97-AF65-F5344CB8AC3E}">
-        <p14:creationId xmlns:p14="http://schemas.microsoft.com/office/powerpoint/2010/main" val="2049718219"/>
+        <p14:creationId xmlns:p14="http://schemas.microsoft.com/office/powerpoint/2010/main" val="585943770"/>
       </p:ext>
     </p:extLst>
   </p:cSld>
@@ -6556,7 +6812,7 @@
           <a:p>
             <a:r>
               <a:rPr lang="en-US" dirty="0" smtClean="0"/>
-              <a:t>Feature Extraction</a:t>
+              <a:t>Preprocessing</a:t>
             </a:r>
             <a:endParaRPr lang="en-US" dirty="0"/>
           </a:p>
@@ -6564,7 +6820,7 @@
       </p:sp>
       <p:pic>
         <p:nvPicPr>
-          <p:cNvPr id="5" name="Picture 4" descr="4sqtweet.png"/>
+          <p:cNvPr id="5" name="Picture 4" descr="postprocess2.png"/>
           <p:cNvPicPr>
             <a:picLocks noChangeAspect="1"/>
           </p:cNvPicPr>
@@ -6584,8 +6840,8 @@
         </p:blipFill>
         <p:spPr>
           <a:xfrm>
-            <a:off x="829630" y="1843212"/>
-            <a:ext cx="7632700" cy="2425700"/>
+            <a:off x="717550" y="2214609"/>
+            <a:ext cx="7708900" cy="2425700"/>
           </a:xfrm>
           <a:prstGeom prst="rect">
             <a:avLst/>
@@ -6595,7 +6851,7 @@
     </p:spTree>
     <p:extLst>
       <p:ext uri="{BB962C8B-B14F-4D97-AF65-F5344CB8AC3E}">
-        <p14:creationId xmlns:p14="http://schemas.microsoft.com/office/powerpoint/2010/main" val="2625574462"/>
+        <p14:creationId xmlns:p14="http://schemas.microsoft.com/office/powerpoint/2010/main" val="4028647466"/>
       </p:ext>
     </p:extLst>
   </p:cSld>
@@ -6651,7 +6907,7 @@
           <a:p>
             <a:r>
               <a:rPr lang="en-US" dirty="0" smtClean="0"/>
-              <a:t>Feature Extraction</a:t>
+              <a:t>Baseline</a:t>
             </a:r>
             <a:endParaRPr lang="en-US" dirty="0"/>
           </a:p>
@@ -6659,14 +6915,14 @@
       </p:sp>
       <p:sp>
         <p:nvSpPr>
-          <p:cNvPr id="4" name="TextBox 3"/>
+          <p:cNvPr id="3" name="TextBox 2"/>
           <p:cNvSpPr txBox="1"/>
           <p:nvPr/>
         </p:nvSpPr>
         <p:spPr>
           <a:xfrm>
-            <a:off x="507802" y="2761693"/>
-            <a:ext cx="8636198" cy="923330"/>
+            <a:off x="318260" y="1701400"/>
+            <a:ext cx="8507480" cy="3785652"/>
           </a:xfrm>
           <a:prstGeom prst="rect">
             <a:avLst/>
@@ -6674,40 +6930,108 @@
           <a:noFill/>
         </p:spPr>
         <p:txBody>
-          <a:bodyPr wrap="none" rtlCol="0">
+          <a:bodyPr wrap="square" rtlCol="0">
             <a:spAutoFit/>
           </a:bodyPr>
           <a:lstStyle/>
           <a:p>
-            <a:r>
-              <a:rPr lang="en-US" dirty="0" smtClean="0"/>
-              <a:t>Outline Process HERE!</a:t>
-            </a:r>
-          </a:p>
-          <a:p>
-            <a:endParaRPr lang="en-US" dirty="0"/>
-          </a:p>
-          <a:p>
-            <a:r>
-              <a:rPr lang="en-US" dirty="0" smtClean="0"/>
-              <a:t>Briefly mention </a:t>
-            </a:r>
-            <a:r>
-              <a:rPr lang="en-US" dirty="0" err="1" smtClean="0"/>
-              <a:t>vectorization</a:t>
-            </a:r>
-            <a:r>
-              <a:rPr lang="en-US" dirty="0" smtClean="0"/>
-              <a:t>…not that important because I didn’t really experiment with it</a:t>
-            </a:r>
-            <a:endParaRPr lang="en-US" dirty="0"/>
+            <a:pPr algn="ctr"/>
+            <a:r>
+              <a:rPr lang="en-US" sz="3000" b="1" dirty="0" smtClean="0">
+                <a:latin typeface="Helvetica Neue Medium"/>
+                <a:cs typeface="Helvetica Neue Medium"/>
+              </a:rPr>
+              <a:t>Pure Random Guessing</a:t>
+            </a:r>
+          </a:p>
+          <a:p>
+            <a:pPr algn="ctr"/>
+            <a:r>
+              <a:rPr lang="en-US" sz="3000" dirty="0" smtClean="0">
+                <a:latin typeface="Helvetica Neue"/>
+                <a:cs typeface="Helvetica Neue"/>
+              </a:rPr>
+              <a:t>For all</a:t>
+            </a:r>
+            <a:r>
+              <a:rPr lang="en-US" sz="3000" i="1" dirty="0" smtClean="0">
+                <a:latin typeface="Helvetica Neue"/>
+                <a:cs typeface="Helvetica Neue"/>
+              </a:rPr>
+              <a:t> </a:t>
+            </a:r>
+            <a:r>
+              <a:rPr lang="en-US" sz="3000" dirty="0" smtClean="0">
+                <a:latin typeface="Helvetica Neue"/>
+                <a:cs typeface="Helvetica Neue"/>
+              </a:rPr>
+              <a:t>possible labels, pick 1 randomly</a:t>
+            </a:r>
+          </a:p>
+          <a:p>
+            <a:pPr algn="ctr"/>
+            <a:endParaRPr lang="en-US" sz="3000" dirty="0" smtClean="0">
+              <a:latin typeface="Helvetica Neue"/>
+              <a:cs typeface="Helvetica Neue"/>
+            </a:endParaRPr>
+          </a:p>
+          <a:p>
+            <a:pPr algn="ctr"/>
+            <a:r>
+              <a:rPr lang="en-US" sz="3000" dirty="0" smtClean="0">
+                <a:latin typeface="Helvetica Neue"/>
+                <a:cs typeface="Helvetica Neue"/>
+              </a:rPr>
+              <a:t>or</a:t>
+            </a:r>
+          </a:p>
+          <a:p>
+            <a:pPr algn="ctr"/>
+            <a:endParaRPr lang="en-US" sz="3000" dirty="0" smtClean="0">
+              <a:latin typeface=" "/>
+              <a:cs typeface=" "/>
+            </a:endParaRPr>
+          </a:p>
+          <a:p>
+            <a:pPr algn="ctr"/>
+            <a:r>
+              <a:rPr lang="en-US" sz="3000" dirty="0" smtClean="0">
+                <a:latin typeface="Helvetica Neue Medium"/>
+                <a:cs typeface="Helvetica Neue Medium"/>
+              </a:rPr>
+              <a:t>Majority Label Guessing</a:t>
+            </a:r>
+          </a:p>
+          <a:p>
+            <a:pPr algn="ctr"/>
+            <a:r>
+              <a:rPr lang="en-US" sz="3000" dirty="0" smtClean="0">
+                <a:latin typeface="Helvetica Neue"/>
+                <a:cs typeface="Helvetica Neue"/>
+              </a:rPr>
+              <a:t>For all labels in training set,</a:t>
+            </a:r>
+          </a:p>
+          <a:p>
+            <a:pPr algn="ctr"/>
+            <a:r>
+              <a:rPr lang="en-US" sz="3000" dirty="0" smtClean="0">
+                <a:latin typeface="Helvetica Neue"/>
+                <a:cs typeface="Helvetica Neue"/>
+              </a:rPr>
+              <a:t> pick most popular label</a:t>
+            </a:r>
+            <a:endParaRPr lang="en-US" sz="3000" dirty="0">
+              <a:latin typeface="Helvetica Neue"/>
+              <a:cs typeface="Helvetica Neue"/>
+            </a:endParaRPr>
           </a:p>
         </p:txBody>
       </p:sp>
     </p:spTree>
     <p:extLst>
       <p:ext uri="{BB962C8B-B14F-4D97-AF65-F5344CB8AC3E}">
-        <p14:creationId xmlns:p14="http://schemas.microsoft.com/office/powerpoint/2010/main" val="1477937053"/>
+        <p14:creationId xmlns:p14="http://schemas.microsoft.com/office/powerpoint/2010/main" val="3690199435"/>
       </p:ext>
     </p:extLst>
   </p:cSld>
@@ -6763,46 +7087,104 @@
           <a:p>
             <a:r>
               <a:rPr lang="en-US" dirty="0" smtClean="0"/>
-              <a:t>Feature Extraction</a:t>
+              <a:t>Classification</a:t>
             </a:r>
             <a:endParaRPr lang="en-US" dirty="0"/>
           </a:p>
         </p:txBody>
       </p:sp>
-      <p:pic>
-        <p:nvPicPr>
-          <p:cNvPr id="3" name="Picture 2" descr="postprocess1.png"/>
-          <p:cNvPicPr>
-            <a:picLocks noChangeAspect="1"/>
-          </p:cNvPicPr>
+      <p:sp>
+        <p:nvSpPr>
+          <p:cNvPr id="6" name="TextBox 5"/>
+          <p:cNvSpPr txBox="1"/>
           <p:nvPr/>
-        </p:nvPicPr>
-        <p:blipFill>
-          <a:blip r:embed="rId2">
-            <a:extLst>
-              <a:ext uri="{28A0092B-C50C-407E-A947-70E740481C1C}">
-                <a14:useLocalDpi xmlns:a14="http://schemas.microsoft.com/office/drawing/2010/main" val="0"/>
-              </a:ext>
-            </a:extLst>
-          </a:blip>
-          <a:stretch>
-            <a:fillRect/>
-          </a:stretch>
-        </p:blipFill>
-        <p:spPr>
-          <a:xfrm>
-            <a:off x="698500" y="1800745"/>
-            <a:ext cx="7747000" cy="3327400"/>
+        </p:nvSpPr>
+        <p:spPr>
+          <a:xfrm>
+            <a:off x="268858" y="4344833"/>
+            <a:ext cx="8606285" cy="630942"/>
           </a:xfrm>
           <a:prstGeom prst="rect">
             <a:avLst/>
           </a:prstGeom>
-        </p:spPr>
-      </p:pic>
+          <a:noFill/>
+        </p:spPr>
+        <p:txBody>
+          <a:bodyPr wrap="square" rtlCol="0">
+            <a:spAutoFit/>
+          </a:bodyPr>
+          <a:lstStyle/>
+          <a:p>
+            <a:pPr algn="ctr">
+              <a:lnSpc>
+                <a:spcPct val="120000"/>
+              </a:lnSpc>
+            </a:pPr>
+            <a:r>
+              <a:rPr lang="en-US" sz="3000" dirty="0" smtClean="0">
+                <a:latin typeface="Helvetica Neue"/>
+                <a:cs typeface="Helvetica Neue"/>
+              </a:rPr>
+              <a:t>better than picking the majority label</a:t>
+            </a:r>
+            <a:endParaRPr lang="en-US" sz="3000" dirty="0">
+              <a:latin typeface="Helvetica Neue"/>
+              <a:cs typeface="Helvetica Neue"/>
+            </a:endParaRPr>
+          </a:p>
+        </p:txBody>
+      </p:sp>
+      <p:sp>
+        <p:nvSpPr>
+          <p:cNvPr id="9" name="TextBox 8"/>
+          <p:cNvSpPr txBox="1"/>
+          <p:nvPr/>
+        </p:nvSpPr>
+        <p:spPr>
+          <a:xfrm>
+            <a:off x="268858" y="1560037"/>
+            <a:ext cx="8606285" cy="2785378"/>
+          </a:xfrm>
+          <a:prstGeom prst="rect">
+            <a:avLst/>
+          </a:prstGeom>
+          <a:noFill/>
+        </p:spPr>
+        <p:txBody>
+          <a:bodyPr wrap="square" rtlCol="0">
+            <a:spAutoFit/>
+          </a:bodyPr>
+          <a:lstStyle/>
+          <a:p>
+            <a:pPr algn="ctr">
+              <a:lnSpc>
+                <a:spcPct val="120000"/>
+              </a:lnSpc>
+            </a:pPr>
+            <a:r>
+              <a:rPr lang="en-US" sz="15000" dirty="0" smtClean="0">
+                <a:solidFill>
+                  <a:srgbClr val="539FD8"/>
+                </a:solidFill>
+                <a:latin typeface="Helvetica Neue"/>
+                <a:cs typeface="Helvetica Neue"/>
+              </a:rPr>
+              <a:t>~2.20%</a:t>
+            </a:r>
+            <a:endParaRPr lang="en-US" sz="15000" dirty="0">
+              <a:solidFill>
+                <a:srgbClr val="539FD8"/>
+              </a:solidFill>
+              <a:latin typeface="Helvetica Neue"/>
+              <a:cs typeface="Helvetica Neue"/>
+            </a:endParaRPr>
+          </a:p>
+        </p:txBody>
+      </p:sp>
     </p:spTree>
     <p:extLst>
       <p:ext uri="{BB962C8B-B14F-4D97-AF65-F5344CB8AC3E}">
-        <p14:creationId xmlns:p14="http://schemas.microsoft.com/office/powerpoint/2010/main" val="585943770"/>
+        <p14:creationId xmlns:p14="http://schemas.microsoft.com/office/powerpoint/2010/main" val="515680121"/>
       </p:ext>
     </p:extLst>
   </p:cSld>
@@ -6858,46 +7240,147 @@
           <a:p>
             <a:r>
               <a:rPr lang="en-US" dirty="0" smtClean="0"/>
-              <a:t>Feature Extraction</a:t>
+              <a:t>Classification</a:t>
             </a:r>
             <a:endParaRPr lang="en-US" dirty="0"/>
           </a:p>
         </p:txBody>
       </p:sp>
-      <p:pic>
-        <p:nvPicPr>
-          <p:cNvPr id="5" name="Picture 4" descr="postprocess2.png"/>
-          <p:cNvPicPr>
-            <a:picLocks noChangeAspect="1"/>
-          </p:cNvPicPr>
+      <p:sp>
+        <p:nvSpPr>
+          <p:cNvPr id="6" name="TextBox 5"/>
+          <p:cNvSpPr txBox="1"/>
           <p:nvPr/>
-        </p:nvPicPr>
-        <p:blipFill>
-          <a:blip r:embed="rId2">
-            <a:extLst>
-              <a:ext uri="{28A0092B-C50C-407E-A947-70E740481C1C}">
-                <a14:useLocalDpi xmlns:a14="http://schemas.microsoft.com/office/drawing/2010/main" val="0"/>
-              </a:ext>
-            </a:extLst>
-          </a:blip>
-          <a:stretch>
-            <a:fillRect/>
-          </a:stretch>
-        </p:blipFill>
-        <p:spPr>
-          <a:xfrm>
-            <a:off x="717550" y="2214609"/>
-            <a:ext cx="7708900" cy="2425700"/>
+        </p:nvSpPr>
+        <p:spPr>
+          <a:xfrm>
+            <a:off x="171182" y="1782921"/>
+            <a:ext cx="8606285" cy="3954929"/>
           </a:xfrm>
           <a:prstGeom prst="rect">
             <a:avLst/>
           </a:prstGeom>
-        </p:spPr>
-      </p:pic>
+          <a:noFill/>
+        </p:spPr>
+        <p:txBody>
+          <a:bodyPr wrap="square" rtlCol="0">
+            <a:spAutoFit/>
+          </a:bodyPr>
+          <a:lstStyle/>
+          <a:p>
+            <a:pPr algn="ctr">
+              <a:lnSpc>
+                <a:spcPct val="120000"/>
+              </a:lnSpc>
+            </a:pPr>
+            <a:r>
+              <a:rPr lang="en-US" sz="3000" i="1" dirty="0" smtClean="0">
+                <a:latin typeface="Helvetica Neue Medium"/>
+                <a:cs typeface="Helvetica Neue Medium"/>
+              </a:rPr>
+              <a:t>“I'm </a:t>
+            </a:r>
+            <a:r>
+              <a:rPr lang="en-US" sz="3000" i="1" dirty="0">
+                <a:latin typeface="Helvetica Neue Medium"/>
+                <a:cs typeface="Helvetica Neue Medium"/>
+              </a:rPr>
+              <a:t>at the Empire State </a:t>
+            </a:r>
+            <a:r>
+              <a:rPr lang="en-US" sz="3000" i="1" dirty="0" smtClean="0">
+                <a:latin typeface="Helvetica Neue Medium"/>
+                <a:cs typeface="Helvetica Neue Medium"/>
+              </a:rPr>
+              <a:t>Building”</a:t>
+            </a:r>
+          </a:p>
+          <a:p>
+            <a:pPr algn="ctr">
+              <a:lnSpc>
+                <a:spcPct val="120000"/>
+              </a:lnSpc>
+            </a:pPr>
+            <a:r>
+              <a:rPr lang="en-US" sz="3000" dirty="0" smtClean="0">
+                <a:latin typeface="Helvetica Neue"/>
+                <a:cs typeface="Helvetica Neue"/>
+                <a:sym typeface="Wingdings"/>
+              </a:rPr>
+              <a:t>New York</a:t>
+            </a:r>
+            <a:endParaRPr lang="en-US" sz="3000" dirty="0" smtClean="0">
+              <a:latin typeface="Helvetica Neue"/>
+              <a:cs typeface="Helvetica Neue"/>
+            </a:endParaRPr>
+          </a:p>
+          <a:p>
+            <a:pPr algn="ctr">
+              <a:lnSpc>
+                <a:spcPct val="120000"/>
+              </a:lnSpc>
+            </a:pPr>
+            <a:endParaRPr lang="en-US" sz="3000" dirty="0">
+              <a:latin typeface="Helvetica Neue"/>
+              <a:cs typeface="Helvetica Neue"/>
+            </a:endParaRPr>
+          </a:p>
+          <a:p>
+            <a:pPr algn="ctr">
+              <a:lnSpc>
+                <a:spcPct val="120000"/>
+              </a:lnSpc>
+            </a:pPr>
+            <a:endParaRPr lang="en-US" sz="3000" dirty="0" smtClean="0">
+              <a:latin typeface="Helvetica Neue"/>
+              <a:cs typeface="Helvetica Neue"/>
+            </a:endParaRPr>
+          </a:p>
+          <a:p>
+            <a:pPr algn="ctr">
+              <a:lnSpc>
+                <a:spcPct val="120000"/>
+              </a:lnSpc>
+            </a:pPr>
+            <a:endParaRPr lang="en-US" sz="3000" dirty="0">
+              <a:latin typeface="Helvetica Neue"/>
+              <a:cs typeface="Helvetica Neue"/>
+            </a:endParaRPr>
+          </a:p>
+          <a:p>
+            <a:pPr algn="ctr">
+              <a:lnSpc>
+                <a:spcPct val="120000"/>
+              </a:lnSpc>
+            </a:pPr>
+            <a:r>
+              <a:rPr lang="en-US" sz="3000" i="1" dirty="0" smtClean="0">
+                <a:latin typeface="Helvetica Neue Medium"/>
+                <a:cs typeface="Helvetica Neue Medium"/>
+              </a:rPr>
+              <a:t>“Baton Rouge is nice!”</a:t>
+            </a:r>
+          </a:p>
+          <a:p>
+            <a:pPr algn="ctr">
+              <a:lnSpc>
+                <a:spcPct val="120000"/>
+              </a:lnSpc>
+            </a:pPr>
+            <a:r>
+              <a:rPr lang="en-US" sz="3000" dirty="0" smtClean="0">
+                <a:latin typeface="Helvetica Neue"/>
+                <a:cs typeface="Helvetica Neue"/>
+              </a:rPr>
+              <a:t>California, Texas, New York, Oregon</a:t>
+            </a:r>
+          </a:p>
+        </p:txBody>
+      </p:sp>
     </p:spTree>
     <p:extLst>
       <p:ext uri="{BB962C8B-B14F-4D97-AF65-F5344CB8AC3E}">
-        <p14:creationId xmlns:p14="http://schemas.microsoft.com/office/powerpoint/2010/main" val="4028647466"/>
+        <p14:creationId xmlns:p14="http://schemas.microsoft.com/office/powerpoint/2010/main" val="2399383206"/>
       </p:ext>
     </p:extLst>
   </p:cSld>
@@ -6953,16 +7436,1482 @@
           <a:p>
             <a:r>
               <a:rPr lang="en-US" dirty="0" smtClean="0"/>
-              <a:t>Results</a:t>
+              <a:t>Classification</a:t>
             </a:r>
             <a:endParaRPr lang="en-US" dirty="0"/>
           </a:p>
         </p:txBody>
       </p:sp>
+      <p:graphicFrame>
+        <p:nvGraphicFramePr>
+          <p:cNvPr id="7" name="Table 6"/>
+          <p:cNvGraphicFramePr>
+            <a:graphicFrameLocks noGrp="1"/>
+          </p:cNvGraphicFramePr>
+          <p:nvPr>
+            <p:extLst>
+              <p:ext uri="{D42A27DB-BD31-4B8C-83A1-F6EECF244321}">
+                <p14:modId xmlns:p14="http://schemas.microsoft.com/office/powerpoint/2010/main" val="2340610972"/>
+              </p:ext>
+            </p:extLst>
+          </p:nvPr>
+        </p:nvGraphicFramePr>
+        <p:xfrm>
+          <a:off x="956253" y="1919496"/>
+          <a:ext cx="7324295" cy="3714539"/>
+        </p:xfrm>
+        <a:graphic>
+          <a:graphicData uri="http://schemas.openxmlformats.org/drawingml/2006/table">
+            <a:tbl>
+              <a:tblPr/>
+              <a:tblGrid>
+                <a:gridCol w="1404065"/>
+                <a:gridCol w="1129041"/>
+                <a:gridCol w="581275"/>
+                <a:gridCol w="911822"/>
+                <a:gridCol w="2073309"/>
+                <a:gridCol w="1224783"/>
+              </a:tblGrid>
+              <a:tr h="606425">
+                <a:tc>
+                  <a:txBody>
+                    <a:bodyPr/>
+                    <a:lstStyle/>
+                    <a:p>
+                      <a:pPr algn="ctr" fontAlgn="b"/>
+                      <a:r>
+                        <a:rPr lang="en-US" sz="1400" b="0" i="0" u="none" strike="noStrike" dirty="0">
+                          <a:solidFill>
+                            <a:srgbClr val="000000"/>
+                          </a:solidFill>
+                          <a:effectLst/>
+                          <a:latin typeface="Helvetica Neue"/>
+                          <a:cs typeface="Helvetica Neue"/>
+                        </a:rPr>
+                        <a:t>Multinomial NB</a:t>
+                      </a:r>
+                    </a:p>
+                  </a:txBody>
+                  <a:tcPr marL="12700" marR="12700" marT="100584" marB="0" anchor="ctr">
+                    <a:lnL>
+                      <a:noFill/>
+                    </a:lnL>
+                    <a:lnR>
+                      <a:noFill/>
+                    </a:lnR>
+                    <a:lnT>
+                      <a:noFill/>
+                    </a:lnT>
+                    <a:lnB>
+                      <a:noFill/>
+                    </a:lnB>
+                  </a:tcPr>
+                </a:tc>
+                <a:tc>
+                  <a:txBody>
+                    <a:bodyPr/>
+                    <a:lstStyle/>
+                    <a:p>
+                      <a:pPr algn="ctr" fontAlgn="b"/>
+                      <a:r>
+                        <a:rPr lang="en-US" sz="1400" b="0" i="0" u="none" strike="noStrike" dirty="0" smtClean="0">
+                          <a:solidFill>
+                            <a:srgbClr val="000000"/>
+                          </a:solidFill>
+                          <a:effectLst/>
+                          <a:latin typeface="Helvetica Neue"/>
+                          <a:cs typeface="Helvetica Neue"/>
+                        </a:rPr>
+                        <a:t>No</a:t>
+                      </a:r>
+                      <a:r>
+                        <a:rPr lang="en-US" sz="1400" b="0" i="0" u="none" strike="noStrike" baseline="0" dirty="0" smtClean="0">
+                          <a:solidFill>
+                            <a:srgbClr val="000000"/>
+                          </a:solidFill>
+                          <a:effectLst/>
+                          <a:latin typeface="Helvetica Neue"/>
+                          <a:cs typeface="Helvetica Neue"/>
+                        </a:rPr>
+                        <a:t> </a:t>
+                      </a:r>
+                      <a:r>
+                        <a:rPr lang="en-US" sz="1400" b="0" i="0" u="none" strike="noStrike" dirty="0" smtClean="0">
+                          <a:solidFill>
+                            <a:srgbClr val="000000"/>
+                          </a:solidFill>
+                          <a:effectLst/>
+                          <a:latin typeface="Helvetica Neue"/>
+                          <a:cs typeface="Helvetica Neue"/>
+                        </a:rPr>
+                        <a:t>Preprocess</a:t>
+                      </a:r>
+                      <a:endParaRPr lang="en-US" sz="1400" b="0" i="0" u="none" strike="noStrike" dirty="0">
+                        <a:solidFill>
+                          <a:srgbClr val="000000"/>
+                        </a:solidFill>
+                        <a:effectLst/>
+                        <a:latin typeface="Helvetica Neue"/>
+                        <a:cs typeface="Helvetica Neue"/>
+                      </a:endParaRPr>
+                    </a:p>
+                  </a:txBody>
+                  <a:tcPr marL="12700" marR="12700" marT="100584" marB="0" anchor="ctr">
+                    <a:lnL>
+                      <a:noFill/>
+                    </a:lnL>
+                    <a:lnR>
+                      <a:noFill/>
+                    </a:lnR>
+                    <a:lnT>
+                      <a:noFill/>
+                    </a:lnT>
+                    <a:lnB>
+                      <a:noFill/>
+                    </a:lnB>
+                  </a:tcPr>
+                </a:tc>
+                <a:tc>
+                  <a:txBody>
+                    <a:bodyPr/>
+                    <a:lstStyle/>
+                    <a:p>
+                      <a:pPr algn="ctr" fontAlgn="b"/>
+                      <a:r>
+                        <a:rPr lang="en-US" sz="1400" b="0" i="0" u="none" strike="noStrike" dirty="0">
+                          <a:solidFill>
+                            <a:srgbClr val="000000"/>
+                          </a:solidFill>
+                          <a:effectLst/>
+                          <a:latin typeface="Helvetica Neue"/>
+                          <a:cs typeface="Helvetica Neue"/>
+                        </a:rPr>
+                        <a:t>Tweets</a:t>
+                      </a:r>
+                    </a:p>
+                  </a:txBody>
+                  <a:tcPr marL="12700" marR="12700" marT="100584" marB="0" anchor="ctr">
+                    <a:lnL>
+                      <a:noFill/>
+                    </a:lnL>
+                    <a:lnR>
+                      <a:noFill/>
+                    </a:lnR>
+                    <a:lnT>
+                      <a:noFill/>
+                    </a:lnT>
+                    <a:lnB>
+                      <a:noFill/>
+                    </a:lnB>
+                  </a:tcPr>
+                </a:tc>
+                <a:tc>
+                  <a:txBody>
+                    <a:bodyPr/>
+                    <a:lstStyle/>
+                    <a:p>
+                      <a:pPr algn="ctr" fontAlgn="b"/>
+                      <a:r>
+                        <a:rPr lang="en-US" sz="1400" b="0" i="0" u="none" strike="noStrike" dirty="0" smtClean="0">
+                          <a:solidFill>
+                            <a:srgbClr val="000000"/>
+                          </a:solidFill>
+                          <a:effectLst/>
+                          <a:latin typeface="Helvetica Neue"/>
+                          <a:cs typeface="Helvetica Neue"/>
+                        </a:rPr>
+                        <a:t>State</a:t>
+                      </a:r>
+                      <a:endParaRPr lang="en-US" sz="1400" b="0" i="0" u="none" strike="noStrike" dirty="0">
+                        <a:solidFill>
+                          <a:srgbClr val="000000"/>
+                        </a:solidFill>
+                        <a:effectLst/>
+                        <a:latin typeface="Helvetica Neue"/>
+                        <a:cs typeface="Helvetica Neue"/>
+                      </a:endParaRPr>
+                    </a:p>
+                  </a:txBody>
+                  <a:tcPr marL="12700" marR="12700" marT="100584" marB="0" anchor="ctr">
+                    <a:lnL>
+                      <a:noFill/>
+                    </a:lnL>
+                    <a:lnR>
+                      <a:noFill/>
+                    </a:lnR>
+                    <a:lnT>
+                      <a:noFill/>
+                    </a:lnT>
+                    <a:lnB>
+                      <a:noFill/>
+                    </a:lnB>
+                  </a:tcPr>
+                </a:tc>
+                <a:tc>
+                  <a:txBody>
+                    <a:bodyPr/>
+                    <a:lstStyle/>
+                    <a:p>
+                      <a:pPr algn="ctr" fontAlgn="b"/>
+                      <a:r>
+                        <a:rPr lang="en-US" sz="3000" b="0" i="0" u="none" strike="noStrike" dirty="0">
+                          <a:solidFill>
+                            <a:srgbClr val="539FD8"/>
+                          </a:solidFill>
+                          <a:effectLst/>
+                          <a:latin typeface="Helvetica Neue"/>
+                          <a:cs typeface="Helvetica Neue"/>
+                        </a:rPr>
+                        <a:t>2.196%</a:t>
+                      </a:r>
+                    </a:p>
+                  </a:txBody>
+                  <a:tcPr marL="12700" marR="12700" marT="100584" marB="0" anchor="ctr">
+                    <a:lnL>
+                      <a:noFill/>
+                    </a:lnL>
+                    <a:lnR>
+                      <a:noFill/>
+                    </a:lnR>
+                    <a:lnT>
+                      <a:noFill/>
+                    </a:lnT>
+                    <a:lnB>
+                      <a:noFill/>
+                    </a:lnB>
+                    <a:noFill/>
+                  </a:tcPr>
+                </a:tc>
+                <a:tc>
+                  <a:txBody>
+                    <a:bodyPr/>
+                    <a:lstStyle/>
+                    <a:p>
+                      <a:pPr algn="ctr" fontAlgn="b"/>
+                      <a:r>
+                        <a:rPr lang="en-US" sz="1400" b="0" i="0" u="none" strike="noStrike" dirty="0" smtClean="0">
+                          <a:solidFill>
+                            <a:schemeClr val="tx1"/>
+                          </a:solidFill>
+                          <a:effectLst/>
+                          <a:latin typeface="Helvetica Neue"/>
+                          <a:cs typeface="Helvetica Neue"/>
+                        </a:rPr>
+                        <a:t>6.93E</a:t>
+                      </a:r>
+                      <a:r>
+                        <a:rPr lang="en-US" sz="1400" b="0" i="0" u="none" strike="noStrike" dirty="0">
+                          <a:solidFill>
+                            <a:schemeClr val="tx1"/>
+                          </a:solidFill>
+                          <a:effectLst/>
+                          <a:latin typeface="Helvetica Neue"/>
+                          <a:cs typeface="Helvetica Neue"/>
+                        </a:rPr>
+                        <a:t>-41</a:t>
+                      </a:r>
+                    </a:p>
+                  </a:txBody>
+                  <a:tcPr marL="12700" marR="12700" marT="100584" marB="0" anchor="ctr">
+                    <a:lnL>
+                      <a:noFill/>
+                    </a:lnL>
+                    <a:lnR>
+                      <a:noFill/>
+                    </a:lnR>
+                    <a:lnT>
+                      <a:noFill/>
+                    </a:lnT>
+                    <a:lnB>
+                      <a:noFill/>
+                    </a:lnB>
+                    <a:noFill/>
+                  </a:tcPr>
+                </a:tc>
+              </a:tr>
+              <a:tr h="606425">
+                <a:tc>
+                  <a:txBody>
+                    <a:bodyPr/>
+                    <a:lstStyle/>
+                    <a:p>
+                      <a:pPr algn="ctr" fontAlgn="b"/>
+                      <a:r>
+                        <a:rPr lang="en-US" sz="1400" b="0" i="0" u="none" strike="noStrike" dirty="0">
+                          <a:solidFill>
+                            <a:srgbClr val="000000"/>
+                          </a:solidFill>
+                          <a:effectLst/>
+                          <a:latin typeface="Helvetica Neue"/>
+                          <a:cs typeface="Helvetica Neue"/>
+                        </a:rPr>
+                        <a:t>Multinomial NB</a:t>
+                      </a:r>
+                    </a:p>
+                  </a:txBody>
+                  <a:tcPr marL="12700" marR="12700" marT="100584" marB="0" anchor="ctr">
+                    <a:lnL>
+                      <a:noFill/>
+                    </a:lnL>
+                    <a:lnR>
+                      <a:noFill/>
+                    </a:lnR>
+                    <a:lnT>
+                      <a:noFill/>
+                    </a:lnT>
+                    <a:lnB>
+                      <a:noFill/>
+                    </a:lnB>
+                  </a:tcPr>
+                </a:tc>
+                <a:tc>
+                  <a:txBody>
+                    <a:bodyPr/>
+                    <a:lstStyle/>
+                    <a:p>
+                      <a:pPr algn="ctr" fontAlgn="b"/>
+                      <a:r>
+                        <a:rPr lang="en-US" sz="1400" b="0" i="0" u="none" strike="noStrike" dirty="0" smtClean="0">
+                          <a:solidFill>
+                            <a:srgbClr val="000000"/>
+                          </a:solidFill>
+                          <a:effectLst/>
+                          <a:latin typeface="Helvetica Neue"/>
+                          <a:cs typeface="Helvetica Neue"/>
+                        </a:rPr>
+                        <a:t>Preprocess</a:t>
+                      </a:r>
+                      <a:endParaRPr lang="en-US" sz="1400" b="0" i="0" u="none" strike="noStrike" dirty="0">
+                        <a:solidFill>
+                          <a:srgbClr val="000000"/>
+                        </a:solidFill>
+                        <a:effectLst/>
+                        <a:latin typeface="Helvetica Neue"/>
+                        <a:cs typeface="Helvetica Neue"/>
+                      </a:endParaRPr>
+                    </a:p>
+                  </a:txBody>
+                  <a:tcPr marL="12700" marR="12700" marT="100584" marB="0" anchor="ctr">
+                    <a:lnL>
+                      <a:noFill/>
+                    </a:lnL>
+                    <a:lnR>
+                      <a:noFill/>
+                    </a:lnR>
+                    <a:lnT>
+                      <a:noFill/>
+                    </a:lnT>
+                    <a:lnB>
+                      <a:noFill/>
+                    </a:lnB>
+                  </a:tcPr>
+                </a:tc>
+                <a:tc>
+                  <a:txBody>
+                    <a:bodyPr/>
+                    <a:lstStyle/>
+                    <a:p>
+                      <a:pPr algn="ctr" fontAlgn="b"/>
+                      <a:r>
+                        <a:rPr lang="en-US" sz="1400" b="0" i="0" u="none" strike="noStrike" dirty="0">
+                          <a:solidFill>
+                            <a:srgbClr val="000000"/>
+                          </a:solidFill>
+                          <a:effectLst/>
+                          <a:latin typeface="Helvetica Neue"/>
+                          <a:cs typeface="Helvetica Neue"/>
+                        </a:rPr>
+                        <a:t>Tweets</a:t>
+                      </a:r>
+                    </a:p>
+                  </a:txBody>
+                  <a:tcPr marL="12700" marR="12700" marT="100584" marB="0" anchor="ctr">
+                    <a:lnL>
+                      <a:noFill/>
+                    </a:lnL>
+                    <a:lnR>
+                      <a:noFill/>
+                    </a:lnR>
+                    <a:lnT>
+                      <a:noFill/>
+                    </a:lnT>
+                    <a:lnB>
+                      <a:noFill/>
+                    </a:lnB>
+                  </a:tcPr>
+                </a:tc>
+                <a:tc>
+                  <a:txBody>
+                    <a:bodyPr/>
+                    <a:lstStyle/>
+                    <a:p>
+                      <a:pPr algn="ctr" fontAlgn="b"/>
+                      <a:r>
+                        <a:rPr lang="en-US" sz="1400" b="0" i="0" u="none" strike="noStrike" dirty="0" smtClean="0">
+                          <a:solidFill>
+                            <a:srgbClr val="000000"/>
+                          </a:solidFill>
+                          <a:effectLst/>
+                          <a:latin typeface="Helvetica Neue"/>
+                          <a:cs typeface="Helvetica Neue"/>
+                        </a:rPr>
+                        <a:t>State</a:t>
+                      </a:r>
+                      <a:endParaRPr lang="en-US" sz="1400" b="0" i="0" u="none" strike="noStrike" dirty="0">
+                        <a:solidFill>
+                          <a:srgbClr val="000000"/>
+                        </a:solidFill>
+                        <a:effectLst/>
+                        <a:latin typeface="Helvetica Neue"/>
+                        <a:cs typeface="Helvetica Neue"/>
+                      </a:endParaRPr>
+                    </a:p>
+                  </a:txBody>
+                  <a:tcPr marL="12700" marR="12700" marT="100584" marB="0" anchor="ctr">
+                    <a:lnL>
+                      <a:noFill/>
+                    </a:lnL>
+                    <a:lnR>
+                      <a:noFill/>
+                    </a:lnR>
+                    <a:lnT>
+                      <a:noFill/>
+                    </a:lnT>
+                    <a:lnB>
+                      <a:noFill/>
+                    </a:lnB>
+                  </a:tcPr>
+                </a:tc>
+                <a:tc>
+                  <a:txBody>
+                    <a:bodyPr/>
+                    <a:lstStyle/>
+                    <a:p>
+                      <a:pPr algn="ctr" fontAlgn="b"/>
+                      <a:r>
+                        <a:rPr lang="en-US" sz="3000" b="0" i="0" u="none" strike="noStrike" dirty="0">
+                          <a:solidFill>
+                            <a:srgbClr val="539FD8"/>
+                          </a:solidFill>
+                          <a:effectLst/>
+                          <a:latin typeface="Helvetica Neue"/>
+                          <a:cs typeface="Helvetica Neue"/>
+                        </a:rPr>
+                        <a:t>2.109%</a:t>
+                      </a:r>
+                    </a:p>
+                  </a:txBody>
+                  <a:tcPr marL="12700" marR="12700" marT="100584" marB="0" anchor="ctr">
+                    <a:lnL>
+                      <a:noFill/>
+                    </a:lnL>
+                    <a:lnR>
+                      <a:noFill/>
+                    </a:lnR>
+                    <a:lnT>
+                      <a:noFill/>
+                    </a:lnT>
+                    <a:lnB>
+                      <a:noFill/>
+                    </a:lnB>
+                    <a:noFill/>
+                  </a:tcPr>
+                </a:tc>
+                <a:tc>
+                  <a:txBody>
+                    <a:bodyPr/>
+                    <a:lstStyle/>
+                    <a:p>
+                      <a:pPr algn="ctr" fontAlgn="b"/>
+                      <a:r>
+                        <a:rPr lang="en-US" sz="1400" b="0" i="0" u="none" strike="noStrike" dirty="0" smtClean="0">
+                          <a:solidFill>
+                            <a:schemeClr val="tx1"/>
+                          </a:solidFill>
+                          <a:effectLst/>
+                          <a:latin typeface="Helvetica Neue"/>
+                          <a:cs typeface="Helvetica Neue"/>
+                        </a:rPr>
+                        <a:t>5.39E</a:t>
+                      </a:r>
+                      <a:r>
+                        <a:rPr lang="en-US" sz="1400" b="0" i="0" u="none" strike="noStrike" dirty="0">
+                          <a:solidFill>
+                            <a:schemeClr val="tx1"/>
+                          </a:solidFill>
+                          <a:effectLst/>
+                          <a:latin typeface="Helvetica Neue"/>
+                          <a:cs typeface="Helvetica Neue"/>
+                        </a:rPr>
+                        <a:t>-38</a:t>
+                      </a:r>
+                    </a:p>
+                  </a:txBody>
+                  <a:tcPr marL="12700" marR="12700" marT="100584" marB="0" anchor="ctr">
+                    <a:lnL>
+                      <a:noFill/>
+                    </a:lnL>
+                    <a:lnR>
+                      <a:noFill/>
+                    </a:lnR>
+                    <a:lnT>
+                      <a:noFill/>
+                    </a:lnT>
+                    <a:lnB>
+                      <a:noFill/>
+                    </a:lnB>
+                    <a:noFill/>
+                  </a:tcPr>
+                </a:tc>
+              </a:tr>
+              <a:tr h="606425">
+                <a:tc>
+                  <a:txBody>
+                    <a:bodyPr/>
+                    <a:lstStyle/>
+                    <a:p>
+                      <a:pPr algn="ctr" fontAlgn="b"/>
+                      <a:r>
+                        <a:rPr lang="en-US" sz="1400" b="0" i="0" u="none" strike="noStrike">
+                          <a:solidFill>
+                            <a:srgbClr val="000000"/>
+                          </a:solidFill>
+                          <a:effectLst/>
+                          <a:latin typeface="Helvetica Neue"/>
+                          <a:cs typeface="Helvetica Neue"/>
+                        </a:rPr>
+                        <a:t>Bernoulli NB</a:t>
+                      </a:r>
+                    </a:p>
+                  </a:txBody>
+                  <a:tcPr marL="12700" marR="12700" marT="100584" marB="0" anchor="ctr">
+                    <a:lnL>
+                      <a:noFill/>
+                    </a:lnL>
+                    <a:lnR>
+                      <a:noFill/>
+                    </a:lnR>
+                    <a:lnT>
+                      <a:noFill/>
+                    </a:lnT>
+                    <a:lnB>
+                      <a:noFill/>
+                    </a:lnB>
+                  </a:tcPr>
+                </a:tc>
+                <a:tc>
+                  <a:txBody>
+                    <a:bodyPr/>
+                    <a:lstStyle/>
+                    <a:p>
+                      <a:pPr algn="ctr" fontAlgn="b"/>
+                      <a:r>
+                        <a:rPr lang="en-US" sz="1400" b="0" i="0" u="none" strike="noStrike" dirty="0" smtClean="0">
+                          <a:solidFill>
+                            <a:srgbClr val="000000"/>
+                          </a:solidFill>
+                          <a:effectLst/>
+                          <a:latin typeface="Helvetica Neue"/>
+                          <a:cs typeface="Helvetica Neue"/>
+                        </a:rPr>
+                        <a:t>No Preprocess</a:t>
+                      </a:r>
+                      <a:endParaRPr lang="en-US" sz="1400" b="0" i="0" u="none" strike="noStrike" dirty="0">
+                        <a:solidFill>
+                          <a:srgbClr val="000000"/>
+                        </a:solidFill>
+                        <a:effectLst/>
+                        <a:latin typeface="Helvetica Neue"/>
+                        <a:cs typeface="Helvetica Neue"/>
+                      </a:endParaRPr>
+                    </a:p>
+                  </a:txBody>
+                  <a:tcPr marL="12700" marR="12700" marT="100584" marB="0" anchor="ctr">
+                    <a:lnL>
+                      <a:noFill/>
+                    </a:lnL>
+                    <a:lnR>
+                      <a:noFill/>
+                    </a:lnR>
+                    <a:lnT>
+                      <a:noFill/>
+                    </a:lnT>
+                    <a:lnB>
+                      <a:noFill/>
+                    </a:lnB>
+                  </a:tcPr>
+                </a:tc>
+                <a:tc>
+                  <a:txBody>
+                    <a:bodyPr/>
+                    <a:lstStyle/>
+                    <a:p>
+                      <a:pPr algn="ctr" fontAlgn="b"/>
+                      <a:r>
+                        <a:rPr lang="en-US" sz="1400" b="0" i="0" u="none" strike="noStrike" dirty="0">
+                          <a:solidFill>
+                            <a:srgbClr val="000000"/>
+                          </a:solidFill>
+                          <a:effectLst/>
+                          <a:latin typeface="Helvetica Neue"/>
+                          <a:cs typeface="Helvetica Neue"/>
+                        </a:rPr>
+                        <a:t>Tweets</a:t>
+                      </a:r>
+                    </a:p>
+                  </a:txBody>
+                  <a:tcPr marL="12700" marR="12700" marT="100584" marB="0" anchor="ctr">
+                    <a:lnL>
+                      <a:noFill/>
+                    </a:lnL>
+                    <a:lnR>
+                      <a:noFill/>
+                    </a:lnR>
+                    <a:lnT>
+                      <a:noFill/>
+                    </a:lnT>
+                    <a:lnB>
+                      <a:noFill/>
+                    </a:lnB>
+                  </a:tcPr>
+                </a:tc>
+                <a:tc>
+                  <a:txBody>
+                    <a:bodyPr/>
+                    <a:lstStyle/>
+                    <a:p>
+                      <a:pPr algn="ctr" fontAlgn="b"/>
+                      <a:r>
+                        <a:rPr lang="en-US" sz="1400" b="0" i="0" u="none" strike="noStrike" dirty="0" smtClean="0">
+                          <a:solidFill>
+                            <a:srgbClr val="000000"/>
+                          </a:solidFill>
+                          <a:effectLst/>
+                          <a:latin typeface="Helvetica Neue"/>
+                          <a:cs typeface="Helvetica Neue"/>
+                        </a:rPr>
+                        <a:t>State</a:t>
+                      </a:r>
+                      <a:endParaRPr lang="en-US" sz="1400" b="0" i="0" u="none" strike="noStrike" dirty="0">
+                        <a:solidFill>
+                          <a:srgbClr val="000000"/>
+                        </a:solidFill>
+                        <a:effectLst/>
+                        <a:latin typeface="Helvetica Neue"/>
+                        <a:cs typeface="Helvetica Neue"/>
+                      </a:endParaRPr>
+                    </a:p>
+                  </a:txBody>
+                  <a:tcPr marL="12700" marR="12700" marT="100584" marB="0" anchor="ctr">
+                    <a:lnL>
+                      <a:noFill/>
+                    </a:lnL>
+                    <a:lnR>
+                      <a:noFill/>
+                    </a:lnR>
+                    <a:lnT>
+                      <a:noFill/>
+                    </a:lnT>
+                    <a:lnB>
+                      <a:noFill/>
+                    </a:lnB>
+                  </a:tcPr>
+                </a:tc>
+                <a:tc>
+                  <a:txBody>
+                    <a:bodyPr/>
+                    <a:lstStyle/>
+                    <a:p>
+                      <a:pPr algn="ctr" fontAlgn="b"/>
+                      <a:r>
+                        <a:rPr lang="en-US" sz="3000" b="0" i="0" u="none" strike="noStrike" dirty="0">
+                          <a:solidFill>
+                            <a:srgbClr val="539FD8"/>
+                          </a:solidFill>
+                          <a:effectLst/>
+                          <a:latin typeface="Helvetica Neue"/>
+                          <a:cs typeface="Helvetica Neue"/>
+                        </a:rPr>
+                        <a:t>1.442%</a:t>
+                      </a:r>
+                    </a:p>
+                  </a:txBody>
+                  <a:tcPr marL="12700" marR="12700" marT="100584" marB="0" anchor="ctr">
+                    <a:lnL>
+                      <a:noFill/>
+                    </a:lnL>
+                    <a:lnR>
+                      <a:noFill/>
+                    </a:lnR>
+                    <a:lnT>
+                      <a:noFill/>
+                    </a:lnT>
+                    <a:lnB>
+                      <a:noFill/>
+                    </a:lnB>
+                    <a:noFill/>
+                  </a:tcPr>
+                </a:tc>
+                <a:tc>
+                  <a:txBody>
+                    <a:bodyPr/>
+                    <a:lstStyle/>
+                    <a:p>
+                      <a:pPr algn="ctr" fontAlgn="b"/>
+                      <a:r>
+                        <a:rPr lang="en-US" sz="1400" b="0" i="0" u="none" strike="noStrike" dirty="0" smtClean="0">
+                          <a:solidFill>
+                            <a:schemeClr val="tx1"/>
+                          </a:solidFill>
+                          <a:effectLst/>
+                          <a:latin typeface="Helvetica Neue"/>
+                          <a:cs typeface="Helvetica Neue"/>
+                        </a:rPr>
+                        <a:t>7.03E</a:t>
+                      </a:r>
+                      <a:r>
+                        <a:rPr lang="en-US" sz="1400" b="0" i="0" u="none" strike="noStrike" dirty="0">
+                          <a:solidFill>
+                            <a:schemeClr val="tx1"/>
+                          </a:solidFill>
+                          <a:effectLst/>
+                          <a:latin typeface="Helvetica Neue"/>
+                          <a:cs typeface="Helvetica Neue"/>
+                        </a:rPr>
+                        <a:t>-36</a:t>
+                      </a:r>
+                    </a:p>
+                  </a:txBody>
+                  <a:tcPr marL="12700" marR="12700" marT="100584" marB="0" anchor="ctr">
+                    <a:lnL>
+                      <a:noFill/>
+                    </a:lnL>
+                    <a:lnR>
+                      <a:noFill/>
+                    </a:lnR>
+                    <a:lnT>
+                      <a:noFill/>
+                    </a:lnT>
+                    <a:lnB>
+                      <a:noFill/>
+                    </a:lnB>
+                    <a:noFill/>
+                  </a:tcPr>
+                </a:tc>
+              </a:tr>
+              <a:tr h="606425">
+                <a:tc>
+                  <a:txBody>
+                    <a:bodyPr/>
+                    <a:lstStyle/>
+                    <a:p>
+                      <a:pPr algn="ctr" fontAlgn="b"/>
+                      <a:r>
+                        <a:rPr lang="en-US" sz="1400" b="0" i="0" u="none" strike="noStrike">
+                          <a:solidFill>
+                            <a:srgbClr val="000000"/>
+                          </a:solidFill>
+                          <a:effectLst/>
+                          <a:latin typeface="Helvetica Neue"/>
+                          <a:cs typeface="Helvetica Neue"/>
+                        </a:rPr>
+                        <a:t>Bernoulli NB</a:t>
+                      </a:r>
+                    </a:p>
+                  </a:txBody>
+                  <a:tcPr marL="12700" marR="12700" marT="100584" marB="0" anchor="ctr">
+                    <a:lnL>
+                      <a:noFill/>
+                    </a:lnL>
+                    <a:lnR>
+                      <a:noFill/>
+                    </a:lnR>
+                    <a:lnT>
+                      <a:noFill/>
+                    </a:lnT>
+                    <a:lnB>
+                      <a:noFill/>
+                    </a:lnB>
+                  </a:tcPr>
+                </a:tc>
+                <a:tc>
+                  <a:txBody>
+                    <a:bodyPr/>
+                    <a:lstStyle/>
+                    <a:p>
+                      <a:pPr algn="ctr" fontAlgn="b"/>
+                      <a:r>
+                        <a:rPr lang="en-US" sz="1400" b="0" i="0" u="none" strike="noStrike" dirty="0" smtClean="0">
+                          <a:solidFill>
+                            <a:srgbClr val="000000"/>
+                          </a:solidFill>
+                          <a:effectLst/>
+                          <a:latin typeface="Helvetica Neue"/>
+                          <a:cs typeface="Helvetica Neue"/>
+                        </a:rPr>
+                        <a:t>Preprocess</a:t>
+                      </a:r>
+                      <a:endParaRPr lang="en-US" sz="1400" b="0" i="0" u="none" strike="noStrike" dirty="0">
+                        <a:solidFill>
+                          <a:srgbClr val="000000"/>
+                        </a:solidFill>
+                        <a:effectLst/>
+                        <a:latin typeface="Helvetica Neue"/>
+                        <a:cs typeface="Helvetica Neue"/>
+                      </a:endParaRPr>
+                    </a:p>
+                  </a:txBody>
+                  <a:tcPr marL="12700" marR="12700" marT="100584" marB="0" anchor="ctr">
+                    <a:lnL>
+                      <a:noFill/>
+                    </a:lnL>
+                    <a:lnR>
+                      <a:noFill/>
+                    </a:lnR>
+                    <a:lnT>
+                      <a:noFill/>
+                    </a:lnT>
+                    <a:lnB>
+                      <a:noFill/>
+                    </a:lnB>
+                  </a:tcPr>
+                </a:tc>
+                <a:tc>
+                  <a:txBody>
+                    <a:bodyPr/>
+                    <a:lstStyle/>
+                    <a:p>
+                      <a:pPr algn="ctr" fontAlgn="b"/>
+                      <a:r>
+                        <a:rPr lang="en-US" sz="1400" b="0" i="0" u="none" strike="noStrike">
+                          <a:solidFill>
+                            <a:srgbClr val="000000"/>
+                          </a:solidFill>
+                          <a:effectLst/>
+                          <a:latin typeface="Helvetica Neue"/>
+                          <a:cs typeface="Helvetica Neue"/>
+                        </a:rPr>
+                        <a:t>Tweets</a:t>
+                      </a:r>
+                    </a:p>
+                  </a:txBody>
+                  <a:tcPr marL="12700" marR="12700" marT="100584" marB="0" anchor="ctr">
+                    <a:lnL>
+                      <a:noFill/>
+                    </a:lnL>
+                    <a:lnR>
+                      <a:noFill/>
+                    </a:lnR>
+                    <a:lnT>
+                      <a:noFill/>
+                    </a:lnT>
+                    <a:lnB>
+                      <a:noFill/>
+                    </a:lnB>
+                  </a:tcPr>
+                </a:tc>
+                <a:tc>
+                  <a:txBody>
+                    <a:bodyPr/>
+                    <a:lstStyle/>
+                    <a:p>
+                      <a:pPr algn="ctr" fontAlgn="b"/>
+                      <a:r>
+                        <a:rPr lang="en-US" sz="1400" b="0" i="0" u="none" strike="noStrike" dirty="0" smtClean="0">
+                          <a:solidFill>
+                            <a:srgbClr val="000000"/>
+                          </a:solidFill>
+                          <a:effectLst/>
+                          <a:latin typeface="Helvetica Neue"/>
+                          <a:cs typeface="Helvetica Neue"/>
+                        </a:rPr>
+                        <a:t>State</a:t>
+                      </a:r>
+                      <a:endParaRPr lang="en-US" sz="1400" b="0" i="0" u="none" strike="noStrike" dirty="0">
+                        <a:solidFill>
+                          <a:srgbClr val="000000"/>
+                        </a:solidFill>
+                        <a:effectLst/>
+                        <a:latin typeface="Helvetica Neue"/>
+                        <a:cs typeface="Helvetica Neue"/>
+                      </a:endParaRPr>
+                    </a:p>
+                  </a:txBody>
+                  <a:tcPr marL="12700" marR="12700" marT="100584" marB="0" anchor="ctr">
+                    <a:lnL>
+                      <a:noFill/>
+                    </a:lnL>
+                    <a:lnR>
+                      <a:noFill/>
+                    </a:lnR>
+                    <a:lnT>
+                      <a:noFill/>
+                    </a:lnT>
+                    <a:lnB>
+                      <a:noFill/>
+                    </a:lnB>
+                  </a:tcPr>
+                </a:tc>
+                <a:tc>
+                  <a:txBody>
+                    <a:bodyPr/>
+                    <a:lstStyle/>
+                    <a:p>
+                      <a:pPr algn="ctr" fontAlgn="b"/>
+                      <a:r>
+                        <a:rPr lang="en-US" sz="3000" b="0" i="0" u="none" strike="noStrike" dirty="0">
+                          <a:solidFill>
+                            <a:srgbClr val="539FD8"/>
+                          </a:solidFill>
+                          <a:effectLst/>
+                          <a:latin typeface="Helvetica Neue"/>
+                          <a:cs typeface="Helvetica Neue"/>
+                        </a:rPr>
+                        <a:t>1.422%</a:t>
+                      </a:r>
+                    </a:p>
+                  </a:txBody>
+                  <a:tcPr marL="12700" marR="12700" marT="100584" marB="0" anchor="ctr">
+                    <a:lnL>
+                      <a:noFill/>
+                    </a:lnL>
+                    <a:lnR>
+                      <a:noFill/>
+                    </a:lnR>
+                    <a:lnT>
+                      <a:noFill/>
+                    </a:lnT>
+                    <a:lnB>
+                      <a:noFill/>
+                    </a:lnB>
+                    <a:noFill/>
+                  </a:tcPr>
+                </a:tc>
+                <a:tc>
+                  <a:txBody>
+                    <a:bodyPr/>
+                    <a:lstStyle/>
+                    <a:p>
+                      <a:pPr algn="ctr" fontAlgn="b"/>
+                      <a:r>
+                        <a:rPr lang="en-US" sz="1400" b="0" i="0" u="none" strike="noStrike" dirty="0" smtClean="0">
+                          <a:solidFill>
+                            <a:schemeClr val="tx1"/>
+                          </a:solidFill>
+                          <a:effectLst/>
+                          <a:latin typeface="Helvetica Neue"/>
+                          <a:cs typeface="Helvetica Neue"/>
+                        </a:rPr>
+                        <a:t>2.42E</a:t>
+                      </a:r>
+                      <a:r>
+                        <a:rPr lang="en-US" sz="1400" b="0" i="0" u="none" strike="noStrike" dirty="0">
+                          <a:solidFill>
+                            <a:schemeClr val="tx1"/>
+                          </a:solidFill>
+                          <a:effectLst/>
+                          <a:latin typeface="Helvetica Neue"/>
+                          <a:cs typeface="Helvetica Neue"/>
+                        </a:rPr>
+                        <a:t>-38</a:t>
+                      </a:r>
+                    </a:p>
+                  </a:txBody>
+                  <a:tcPr marL="12700" marR="12700" marT="100584" marB="0" anchor="ctr">
+                    <a:lnL>
+                      <a:noFill/>
+                    </a:lnL>
+                    <a:lnR>
+                      <a:noFill/>
+                    </a:lnR>
+                    <a:lnT>
+                      <a:noFill/>
+                    </a:lnT>
+                    <a:lnB>
+                      <a:noFill/>
+                    </a:lnB>
+                    <a:noFill/>
+                  </a:tcPr>
+                </a:tc>
+              </a:tr>
+              <a:tr h="606425">
+                <a:tc>
+                  <a:txBody>
+                    <a:bodyPr/>
+                    <a:lstStyle/>
+                    <a:p>
+                      <a:pPr algn="ctr" fontAlgn="b"/>
+                      <a:r>
+                        <a:rPr lang="en-US" sz="1400" b="0" i="0" u="none" strike="noStrike">
+                          <a:solidFill>
+                            <a:srgbClr val="000000"/>
+                          </a:solidFill>
+                          <a:effectLst/>
+                          <a:latin typeface="Helvetica Neue"/>
+                          <a:cs typeface="Helvetica Neue"/>
+                        </a:rPr>
+                        <a:t>Multinomial NB</a:t>
+                      </a:r>
+                    </a:p>
+                  </a:txBody>
+                  <a:tcPr marL="12700" marR="12700" marT="100584" marB="0" anchor="ctr">
+                    <a:lnL>
+                      <a:noFill/>
+                    </a:lnL>
+                    <a:lnR>
+                      <a:noFill/>
+                    </a:lnR>
+                    <a:lnT>
+                      <a:noFill/>
+                    </a:lnT>
+                    <a:lnB>
+                      <a:noFill/>
+                    </a:lnB>
+                  </a:tcPr>
+                </a:tc>
+                <a:tc>
+                  <a:txBody>
+                    <a:bodyPr/>
+                    <a:lstStyle/>
+                    <a:p>
+                      <a:pPr algn="ctr" fontAlgn="b"/>
+                      <a:r>
+                        <a:rPr lang="en-US" sz="1400" b="0" i="0" u="none" strike="noStrike" dirty="0" smtClean="0">
+                          <a:solidFill>
+                            <a:srgbClr val="000000"/>
+                          </a:solidFill>
+                          <a:effectLst/>
+                          <a:latin typeface="Helvetica Neue"/>
+                          <a:cs typeface="Helvetica Neue"/>
+                        </a:rPr>
+                        <a:t>Preprocess</a:t>
+                      </a:r>
+                      <a:endParaRPr lang="en-US" sz="1400" b="0" i="0" u="none" strike="noStrike" dirty="0">
+                        <a:solidFill>
+                          <a:srgbClr val="000000"/>
+                        </a:solidFill>
+                        <a:effectLst/>
+                        <a:latin typeface="Helvetica Neue"/>
+                        <a:cs typeface="Helvetica Neue"/>
+                      </a:endParaRPr>
+                    </a:p>
+                  </a:txBody>
+                  <a:tcPr marL="12700" marR="12700" marT="100584" marB="0" anchor="ctr">
+                    <a:lnL>
+                      <a:noFill/>
+                    </a:lnL>
+                    <a:lnR>
+                      <a:noFill/>
+                    </a:lnR>
+                    <a:lnT>
+                      <a:noFill/>
+                    </a:lnT>
+                    <a:lnB>
+                      <a:noFill/>
+                    </a:lnB>
+                  </a:tcPr>
+                </a:tc>
+                <a:tc>
+                  <a:txBody>
+                    <a:bodyPr/>
+                    <a:lstStyle/>
+                    <a:p>
+                      <a:pPr algn="ctr" fontAlgn="b"/>
+                      <a:r>
+                        <a:rPr lang="en-US" sz="1400" b="0" i="0" u="none" strike="noStrike">
+                          <a:solidFill>
+                            <a:srgbClr val="000000"/>
+                          </a:solidFill>
+                          <a:effectLst/>
+                          <a:latin typeface="Helvetica Neue"/>
+                          <a:cs typeface="Helvetica Neue"/>
+                        </a:rPr>
+                        <a:t>Tweets</a:t>
+                      </a:r>
+                    </a:p>
+                  </a:txBody>
+                  <a:tcPr marL="12700" marR="12700" marT="100584" marB="0" anchor="ctr">
+                    <a:lnL>
+                      <a:noFill/>
+                    </a:lnL>
+                    <a:lnR>
+                      <a:noFill/>
+                    </a:lnR>
+                    <a:lnT>
+                      <a:noFill/>
+                    </a:lnT>
+                    <a:lnB>
+                      <a:noFill/>
+                    </a:lnB>
+                  </a:tcPr>
+                </a:tc>
+                <a:tc>
+                  <a:txBody>
+                    <a:bodyPr/>
+                    <a:lstStyle/>
+                    <a:p>
+                      <a:pPr algn="ctr" fontAlgn="b"/>
+                      <a:r>
+                        <a:rPr lang="en-US" sz="1400" b="0" i="0" u="none" strike="noStrike" dirty="0" smtClean="0">
+                          <a:solidFill>
+                            <a:srgbClr val="000000"/>
+                          </a:solidFill>
+                          <a:effectLst/>
+                          <a:latin typeface="Helvetica Neue"/>
+                          <a:cs typeface="Helvetica Neue"/>
+                        </a:rPr>
+                        <a:t>County</a:t>
+                      </a:r>
+                      <a:endParaRPr lang="en-US" sz="1400" b="0" i="0" u="none" strike="noStrike" dirty="0">
+                        <a:solidFill>
+                          <a:srgbClr val="000000"/>
+                        </a:solidFill>
+                        <a:effectLst/>
+                        <a:latin typeface="Helvetica Neue"/>
+                        <a:cs typeface="Helvetica Neue"/>
+                      </a:endParaRPr>
+                    </a:p>
+                  </a:txBody>
+                  <a:tcPr marL="12700" marR="12700" marT="100584" marB="0" anchor="ctr">
+                    <a:lnL>
+                      <a:noFill/>
+                    </a:lnL>
+                    <a:lnR>
+                      <a:noFill/>
+                    </a:lnR>
+                    <a:lnT>
+                      <a:noFill/>
+                    </a:lnT>
+                    <a:lnB>
+                      <a:noFill/>
+                    </a:lnB>
+                  </a:tcPr>
+                </a:tc>
+                <a:tc>
+                  <a:txBody>
+                    <a:bodyPr/>
+                    <a:lstStyle/>
+                    <a:p>
+                      <a:pPr algn="ctr" fontAlgn="b"/>
+                      <a:r>
+                        <a:rPr lang="en-US" sz="3000" b="0" i="0" u="none" strike="noStrike" dirty="0">
+                          <a:solidFill>
+                            <a:srgbClr val="539FD8"/>
+                          </a:solidFill>
+                          <a:effectLst/>
+                          <a:latin typeface="Helvetica Neue"/>
+                          <a:cs typeface="Helvetica Neue"/>
+                        </a:rPr>
+                        <a:t>0.427%</a:t>
+                      </a:r>
+                    </a:p>
+                  </a:txBody>
+                  <a:tcPr marL="12700" marR="12700" marT="100584" marB="0" anchor="ctr">
+                    <a:lnL>
+                      <a:noFill/>
+                    </a:lnL>
+                    <a:lnR>
+                      <a:noFill/>
+                    </a:lnR>
+                    <a:lnT>
+                      <a:noFill/>
+                    </a:lnT>
+                    <a:lnB>
+                      <a:noFill/>
+                    </a:lnB>
+                    <a:noFill/>
+                  </a:tcPr>
+                </a:tc>
+                <a:tc>
+                  <a:txBody>
+                    <a:bodyPr/>
+                    <a:lstStyle/>
+                    <a:p>
+                      <a:pPr algn="ctr" fontAlgn="b"/>
+                      <a:r>
+                        <a:rPr lang="en-US" sz="1400" b="0" i="0" u="none" strike="noStrike" dirty="0" smtClean="0">
+                          <a:solidFill>
+                            <a:schemeClr val="tx1"/>
+                          </a:solidFill>
+                          <a:effectLst/>
+                          <a:latin typeface="Helvetica Neue"/>
+                          <a:cs typeface="Helvetica Neue"/>
+                        </a:rPr>
+                        <a:t>3.69E</a:t>
+                      </a:r>
+                      <a:r>
+                        <a:rPr lang="en-US" sz="1400" b="0" i="0" u="none" strike="noStrike" dirty="0">
+                          <a:solidFill>
+                            <a:schemeClr val="tx1"/>
+                          </a:solidFill>
+                          <a:effectLst/>
+                          <a:latin typeface="Helvetica Neue"/>
+                          <a:cs typeface="Helvetica Neue"/>
+                        </a:rPr>
+                        <a:t>-27</a:t>
+                      </a:r>
+                    </a:p>
+                  </a:txBody>
+                  <a:tcPr marL="12700" marR="12700" marT="100584" marB="0" anchor="ctr">
+                    <a:lnL>
+                      <a:noFill/>
+                    </a:lnL>
+                    <a:lnR>
+                      <a:noFill/>
+                    </a:lnR>
+                    <a:lnT>
+                      <a:noFill/>
+                    </a:lnT>
+                    <a:lnB>
+                      <a:noFill/>
+                    </a:lnB>
+                    <a:noFill/>
+                  </a:tcPr>
+                </a:tc>
+              </a:tr>
+              <a:tr h="682414">
+                <a:tc>
+                  <a:txBody>
+                    <a:bodyPr/>
+                    <a:lstStyle/>
+                    <a:p>
+                      <a:pPr algn="ctr" fontAlgn="b"/>
+                      <a:r>
+                        <a:rPr lang="en-US" sz="1400" b="0" i="0" u="none" strike="noStrike">
+                          <a:solidFill>
+                            <a:srgbClr val="000000"/>
+                          </a:solidFill>
+                          <a:effectLst/>
+                          <a:latin typeface="Helvetica Neue"/>
+                          <a:cs typeface="Helvetica Neue"/>
+                        </a:rPr>
+                        <a:t>Bernoulli NB</a:t>
+                      </a:r>
+                    </a:p>
+                  </a:txBody>
+                  <a:tcPr marL="12700" marR="12700" marT="100584" marB="0" anchor="ctr">
+                    <a:lnL>
+                      <a:noFill/>
+                    </a:lnL>
+                    <a:lnR>
+                      <a:noFill/>
+                    </a:lnR>
+                    <a:lnT>
+                      <a:noFill/>
+                    </a:lnT>
+                    <a:lnB>
+                      <a:noFill/>
+                    </a:lnB>
+                  </a:tcPr>
+                </a:tc>
+                <a:tc>
+                  <a:txBody>
+                    <a:bodyPr/>
+                    <a:lstStyle/>
+                    <a:p>
+                      <a:pPr algn="ctr" fontAlgn="b"/>
+                      <a:r>
+                        <a:rPr lang="en-US" sz="1400" b="0" i="0" u="none" strike="noStrike" dirty="0" smtClean="0">
+                          <a:solidFill>
+                            <a:srgbClr val="000000"/>
+                          </a:solidFill>
+                          <a:effectLst/>
+                          <a:latin typeface="Helvetica Neue"/>
+                          <a:cs typeface="Helvetica Neue"/>
+                        </a:rPr>
+                        <a:t>Preprocess</a:t>
+                      </a:r>
+                      <a:endParaRPr lang="en-US" sz="1400" b="0" i="0" u="none" strike="noStrike" dirty="0">
+                        <a:solidFill>
+                          <a:srgbClr val="000000"/>
+                        </a:solidFill>
+                        <a:effectLst/>
+                        <a:latin typeface="Helvetica Neue"/>
+                        <a:cs typeface="Helvetica Neue"/>
+                      </a:endParaRPr>
+                    </a:p>
+                  </a:txBody>
+                  <a:tcPr marL="12700" marR="12700" marT="100584" marB="0" anchor="ctr">
+                    <a:lnL>
+                      <a:noFill/>
+                    </a:lnL>
+                    <a:lnR>
+                      <a:noFill/>
+                    </a:lnR>
+                    <a:lnT>
+                      <a:noFill/>
+                    </a:lnT>
+                    <a:lnB>
+                      <a:noFill/>
+                    </a:lnB>
+                  </a:tcPr>
+                </a:tc>
+                <a:tc>
+                  <a:txBody>
+                    <a:bodyPr/>
+                    <a:lstStyle/>
+                    <a:p>
+                      <a:pPr algn="ctr" fontAlgn="b"/>
+                      <a:r>
+                        <a:rPr lang="en-US" sz="1400" b="0" i="0" u="none" strike="noStrike" dirty="0">
+                          <a:solidFill>
+                            <a:srgbClr val="000000"/>
+                          </a:solidFill>
+                          <a:effectLst/>
+                          <a:latin typeface="Helvetica Neue"/>
+                          <a:cs typeface="Helvetica Neue"/>
+                        </a:rPr>
+                        <a:t>Tweets</a:t>
+                      </a:r>
+                    </a:p>
+                  </a:txBody>
+                  <a:tcPr marL="12700" marR="12700" marT="100584" marB="0" anchor="ctr">
+                    <a:lnL>
+                      <a:noFill/>
+                    </a:lnL>
+                    <a:lnR>
+                      <a:noFill/>
+                    </a:lnR>
+                    <a:lnT>
+                      <a:noFill/>
+                    </a:lnT>
+                    <a:lnB>
+                      <a:noFill/>
+                    </a:lnB>
+                  </a:tcPr>
+                </a:tc>
+                <a:tc>
+                  <a:txBody>
+                    <a:bodyPr/>
+                    <a:lstStyle/>
+                    <a:p>
+                      <a:pPr algn="ctr" fontAlgn="b"/>
+                      <a:r>
+                        <a:rPr lang="en-US" sz="1400" b="0" i="0" u="none" strike="noStrike" dirty="0" smtClean="0">
+                          <a:solidFill>
+                            <a:srgbClr val="000000"/>
+                          </a:solidFill>
+                          <a:effectLst/>
+                          <a:latin typeface="Helvetica Neue"/>
+                          <a:cs typeface="Helvetica Neue"/>
+                        </a:rPr>
+                        <a:t>County</a:t>
+                      </a:r>
+                      <a:endParaRPr lang="en-US" sz="1400" b="0" i="0" u="none" strike="noStrike" dirty="0">
+                        <a:solidFill>
+                          <a:srgbClr val="000000"/>
+                        </a:solidFill>
+                        <a:effectLst/>
+                        <a:latin typeface="Helvetica Neue"/>
+                        <a:cs typeface="Helvetica Neue"/>
+                      </a:endParaRPr>
+                    </a:p>
+                  </a:txBody>
+                  <a:tcPr marL="12700" marR="12700" marT="100584" marB="0" anchor="ctr">
+                    <a:lnL>
+                      <a:noFill/>
+                    </a:lnL>
+                    <a:lnR>
+                      <a:noFill/>
+                    </a:lnR>
+                    <a:lnT>
+                      <a:noFill/>
+                    </a:lnT>
+                    <a:lnB>
+                      <a:noFill/>
+                    </a:lnB>
+                  </a:tcPr>
+                </a:tc>
+                <a:tc>
+                  <a:txBody>
+                    <a:bodyPr/>
+                    <a:lstStyle/>
+                    <a:p>
+                      <a:pPr algn="ctr" fontAlgn="b"/>
+                      <a:r>
+                        <a:rPr lang="en-US" sz="3000" b="0" i="0" u="none" strike="noStrike" dirty="0">
+                          <a:solidFill>
+                            <a:srgbClr val="539FD8"/>
+                          </a:solidFill>
+                          <a:effectLst/>
+                          <a:latin typeface="Helvetica Neue"/>
+                          <a:cs typeface="Helvetica Neue"/>
+                        </a:rPr>
+                        <a:t>0.416%</a:t>
+                      </a:r>
+                    </a:p>
+                  </a:txBody>
+                  <a:tcPr marL="12700" marR="12700" marT="100584" marB="0" anchor="ctr">
+                    <a:lnL>
+                      <a:noFill/>
+                    </a:lnL>
+                    <a:lnR>
+                      <a:noFill/>
+                    </a:lnR>
+                    <a:lnT>
+                      <a:noFill/>
+                    </a:lnT>
+                    <a:lnB>
+                      <a:noFill/>
+                    </a:lnB>
+                    <a:noFill/>
+                  </a:tcPr>
+                </a:tc>
+                <a:tc>
+                  <a:txBody>
+                    <a:bodyPr/>
+                    <a:lstStyle/>
+                    <a:p>
+                      <a:pPr algn="ctr" fontAlgn="b"/>
+                      <a:r>
+                        <a:rPr lang="en-US" sz="1400" b="0" i="0" u="none" strike="noStrike" dirty="0" smtClean="0">
+                          <a:solidFill>
+                            <a:schemeClr val="tx1"/>
+                          </a:solidFill>
+                          <a:effectLst/>
+                          <a:latin typeface="Helvetica Neue"/>
+                          <a:cs typeface="Helvetica Neue"/>
+                        </a:rPr>
+                        <a:t>1.29E</a:t>
+                      </a:r>
+                      <a:r>
+                        <a:rPr lang="en-US" sz="1400" b="0" i="0" u="none" strike="noStrike" dirty="0">
+                          <a:solidFill>
+                            <a:schemeClr val="tx1"/>
+                          </a:solidFill>
+                          <a:effectLst/>
+                          <a:latin typeface="Helvetica Neue"/>
+                          <a:cs typeface="Helvetica Neue"/>
+                        </a:rPr>
+                        <a:t>-30</a:t>
+                      </a:r>
+                    </a:p>
+                  </a:txBody>
+                  <a:tcPr marL="12700" marR="12700" marT="100584" marB="0" anchor="ctr">
+                    <a:lnL>
+                      <a:noFill/>
+                    </a:lnL>
+                    <a:lnR>
+                      <a:noFill/>
+                    </a:lnR>
+                    <a:lnT>
+                      <a:noFill/>
+                    </a:lnT>
+                    <a:lnB>
+                      <a:noFill/>
+                    </a:lnB>
+                    <a:noFill/>
+                  </a:tcPr>
+                </a:tc>
+              </a:tr>
+            </a:tbl>
+          </a:graphicData>
+        </a:graphic>
+      </p:graphicFrame>
     </p:spTree>
     <p:extLst>
       <p:ext uri="{BB962C8B-B14F-4D97-AF65-F5344CB8AC3E}">
-        <p14:creationId xmlns:p14="http://schemas.microsoft.com/office/powerpoint/2010/main" val="3690199435"/>
+        <p14:creationId xmlns:p14="http://schemas.microsoft.com/office/powerpoint/2010/main" val="3828814590"/>
       </p:ext>
     </p:extLst>
   </p:cSld>
@@ -7157,7 +9106,7 @@
           <a:p>
             <a:r>
               <a:rPr lang="en-US" dirty="0" smtClean="0"/>
-              <a:t>Images</a:t>
+              <a:t>Labeling</a:t>
             </a:r>
             <a:endParaRPr lang="en-US" dirty="0"/>
           </a:p>
@@ -7171,8 +9120,8 @@
         </p:nvSpPr>
         <p:spPr>
           <a:xfrm>
-            <a:off x="171182" y="873339"/>
-            <a:ext cx="8641929" cy="1754327"/>
+            <a:off x="2334892" y="1446169"/>
+            <a:ext cx="4474217" cy="1015663"/>
           </a:xfrm>
           <a:prstGeom prst="rect">
             <a:avLst/>
@@ -7186,11 +9135,1194 @@
           <a:lstStyle/>
           <a:p>
             <a:r>
+              <a:rPr lang="en-US" sz="6000" dirty="0" smtClean="0">
+                <a:solidFill>
+                  <a:srgbClr val="539FD8"/>
+                </a:solidFill>
+                <a:latin typeface="Helvetica Neue"/>
+                <a:cs typeface="Helvetica Neue"/>
+              </a:rPr>
+              <a:t>State Labels</a:t>
+            </a:r>
+            <a:endParaRPr lang="en-US" sz="6000" dirty="0">
+              <a:solidFill>
+                <a:srgbClr val="539FD8"/>
+              </a:solidFill>
+              <a:latin typeface="Helvetica Neue"/>
+              <a:cs typeface="Helvetica Neue"/>
+            </a:endParaRPr>
+          </a:p>
+        </p:txBody>
+      </p:sp>
+      <p:sp>
+        <p:nvSpPr>
+          <p:cNvPr id="8" name="TextBox 7"/>
+          <p:cNvSpPr txBox="1"/>
+          <p:nvPr/>
+        </p:nvSpPr>
+        <p:spPr>
+          <a:xfrm>
+            <a:off x="2825368" y="3009791"/>
+            <a:ext cx="3493264" cy="707886"/>
+          </a:xfrm>
+          <a:prstGeom prst="rect">
+            <a:avLst/>
+          </a:prstGeom>
+          <a:noFill/>
+        </p:spPr>
+        <p:txBody>
+          <a:bodyPr wrap="none" rtlCol="0">
+            <a:spAutoFit/>
+          </a:bodyPr>
+          <a:lstStyle/>
+          <a:p>
+            <a:r>
+              <a:rPr lang="en-US" sz="4000" dirty="0" smtClean="0">
+                <a:solidFill>
+                  <a:srgbClr val="539FD8"/>
+                </a:solidFill>
+                <a:latin typeface="Helvetica Neue"/>
+                <a:cs typeface="Helvetica Neue"/>
+              </a:rPr>
+              <a:t>County Labels</a:t>
+            </a:r>
+            <a:endParaRPr lang="en-US" sz="4000" dirty="0">
+              <a:solidFill>
+                <a:srgbClr val="539FD8"/>
+              </a:solidFill>
+              <a:latin typeface="Helvetica Neue"/>
+              <a:cs typeface="Helvetica Neue"/>
+            </a:endParaRPr>
+          </a:p>
+        </p:txBody>
+      </p:sp>
+      <p:sp>
+        <p:nvSpPr>
+          <p:cNvPr id="9" name="TextBox 8"/>
+          <p:cNvSpPr txBox="1"/>
+          <p:nvPr/>
+        </p:nvSpPr>
+        <p:spPr>
+          <a:xfrm>
+            <a:off x="3492217" y="5246458"/>
+            <a:ext cx="2159566" cy="553998"/>
+          </a:xfrm>
+          <a:prstGeom prst="rect">
+            <a:avLst/>
+          </a:prstGeom>
+          <a:noFill/>
+        </p:spPr>
+        <p:txBody>
+          <a:bodyPr wrap="none" rtlCol="0">
+            <a:spAutoFit/>
+          </a:bodyPr>
+          <a:lstStyle/>
+          <a:p>
+            <a:r>
+              <a:rPr lang="en-US" sz="3000" dirty="0" smtClean="0">
+                <a:solidFill>
+                  <a:srgbClr val="539FD8"/>
+                </a:solidFill>
+                <a:latin typeface="Helvetica Neue"/>
+                <a:cs typeface="Helvetica Neue"/>
+              </a:rPr>
+              <a:t>Grid Labels</a:t>
+            </a:r>
+            <a:endParaRPr lang="en-US" sz="3000" dirty="0">
+              <a:solidFill>
+                <a:srgbClr val="539FD8"/>
+              </a:solidFill>
+              <a:latin typeface="Helvetica Neue"/>
+              <a:cs typeface="Helvetica Neue"/>
+            </a:endParaRPr>
+          </a:p>
+        </p:txBody>
+      </p:sp>
+    </p:spTree>
+    <p:extLst>
+      <p:ext uri="{BB962C8B-B14F-4D97-AF65-F5344CB8AC3E}">
+        <p14:creationId xmlns:p14="http://schemas.microsoft.com/office/powerpoint/2010/main" val="367929424"/>
+      </p:ext>
+    </p:extLst>
+  </p:cSld>
+  <p:clrMapOvr>
+    <a:masterClrMapping/>
+  </p:clrMapOvr>
+  <p:timing>
+    <p:tnLst>
+      <p:par>
+        <p:cTn xmlns:p14="http://schemas.microsoft.com/office/powerpoint/2010/main" id="1" dur="indefinite" restart="never" nodeType="tmRoot"/>
+      </p:par>
+    </p:tnLst>
+  </p:timing>
+</p:sld>
+</file>
+
+<file path=ppt/slides/slide31.xml><?xml version="1.0" encoding="utf-8"?>
+<p:sld xmlns:a="http://schemas.openxmlformats.org/drawingml/2006/main" xmlns:r="http://schemas.openxmlformats.org/officeDocument/2006/relationships" xmlns:p="http://schemas.openxmlformats.org/presentationml/2006/main">
+  <p:cSld>
+    <p:spTree>
+      <p:nvGrpSpPr>
+        <p:cNvPr id="1" name=""/>
+        <p:cNvGrpSpPr/>
+        <p:nvPr/>
+      </p:nvGrpSpPr>
+      <p:grpSpPr>
+        <a:xfrm>
+          <a:off x="0" y="0"/>
+          <a:ext cx="0" cy="0"/>
+          <a:chOff x="0" y="0"/>
+          <a:chExt cx="0" cy="0"/>
+        </a:xfrm>
+      </p:grpSpPr>
+      <p:sp>
+        <p:nvSpPr>
+          <p:cNvPr id="2" name="Title 1"/>
+          <p:cNvSpPr>
+            <a:spLocks noGrp="1"/>
+          </p:cNvSpPr>
+          <p:nvPr>
+            <p:ph type="title"/>
+          </p:nvPr>
+        </p:nvSpPr>
+        <p:spPr>
+          <a:xfrm>
+            <a:off x="171182" y="114452"/>
+            <a:ext cx="8109366" cy="758887"/>
+          </a:xfrm>
+        </p:spPr>
+        <p:txBody>
+          <a:bodyPr/>
+          <a:lstStyle/>
+          <a:p>
+            <a:r>
+              <a:rPr lang="en-US" dirty="0" smtClean="0"/>
+              <a:t>Labeling</a:t>
+            </a:r>
+            <a:endParaRPr lang="en-US" dirty="0"/>
+          </a:p>
+        </p:txBody>
+      </p:sp>
+      <p:sp>
+        <p:nvSpPr>
+          <p:cNvPr id="4" name="TextBox 3"/>
+          <p:cNvSpPr txBox="1"/>
+          <p:nvPr/>
+        </p:nvSpPr>
+        <p:spPr>
+          <a:xfrm>
+            <a:off x="1998222" y="1892673"/>
+            <a:ext cx="5147563" cy="3477875"/>
+          </a:xfrm>
+          <a:prstGeom prst="rect">
+            <a:avLst/>
+          </a:prstGeom>
+          <a:noFill/>
+        </p:spPr>
+        <p:txBody>
+          <a:bodyPr wrap="none" rtlCol="0">
+            <a:spAutoFit/>
+          </a:bodyPr>
+          <a:lstStyle/>
+          <a:p>
+            <a:pPr algn="ctr">
+              <a:lnSpc>
+                <a:spcPct val="120000"/>
+              </a:lnSpc>
+            </a:pPr>
+            <a:r>
+              <a:rPr lang="en-US" sz="8000" dirty="0">
+                <a:solidFill>
+                  <a:srgbClr val="539FD8"/>
+                </a:solidFill>
+                <a:latin typeface="Helvetica Neue"/>
+                <a:cs typeface="Helvetica Neue"/>
+              </a:rPr>
+              <a:t>2.032</a:t>
+            </a:r>
+            <a:r>
+              <a:rPr lang="en-US" sz="8000" dirty="0" smtClean="0">
+                <a:solidFill>
+                  <a:srgbClr val="539FD8"/>
+                </a:solidFill>
+                <a:latin typeface="Helvetica Neue"/>
+                <a:cs typeface="Helvetica Neue"/>
+              </a:rPr>
+              <a:t>%</a:t>
+            </a:r>
+          </a:p>
+          <a:p>
+            <a:pPr algn="ctr">
+              <a:lnSpc>
+                <a:spcPct val="120000"/>
+              </a:lnSpc>
+            </a:pPr>
+            <a:r>
+              <a:rPr lang="en-US" sz="4000" dirty="0">
+                <a:latin typeface="Helvetica Neue"/>
+                <a:cs typeface="Helvetica Neue"/>
+              </a:rPr>
+              <a:t>s</a:t>
+            </a:r>
+            <a:r>
+              <a:rPr lang="en-US" sz="4000" dirty="0" smtClean="0">
+                <a:latin typeface="Helvetica Neue"/>
+                <a:cs typeface="Helvetica Neue"/>
+              </a:rPr>
+              <a:t>tate labels are better </a:t>
+            </a:r>
+          </a:p>
+          <a:p>
+            <a:pPr algn="ctr">
+              <a:lnSpc>
+                <a:spcPct val="120000"/>
+              </a:lnSpc>
+            </a:pPr>
+            <a:r>
+              <a:rPr lang="en-US" sz="4000" dirty="0" smtClean="0">
+                <a:latin typeface="Helvetica Neue"/>
+                <a:cs typeface="Helvetica Neue"/>
+              </a:rPr>
+              <a:t>than county labels</a:t>
+            </a:r>
+          </a:p>
+          <a:p>
+            <a:pPr algn="ctr">
+              <a:lnSpc>
+                <a:spcPct val="120000"/>
+              </a:lnSpc>
+            </a:pPr>
+            <a:r>
+              <a:rPr lang="en-US" sz="2400" dirty="0" smtClean="0">
+                <a:latin typeface="Helvetica Neue"/>
+                <a:cs typeface="Helvetica Neue"/>
+              </a:rPr>
+              <a:t>with </a:t>
+            </a:r>
+            <a:r>
+              <a:rPr lang="en-US" sz="2400" dirty="0" err="1" smtClean="0">
+                <a:latin typeface="Helvetica Neue"/>
+                <a:cs typeface="Helvetica Neue"/>
+              </a:rPr>
+              <a:t>MultinomialNB</a:t>
+            </a:r>
+            <a:endParaRPr lang="en-US" sz="2400" dirty="0">
+              <a:latin typeface="Helvetica Neue"/>
+              <a:cs typeface="Helvetica Neue"/>
+            </a:endParaRPr>
+          </a:p>
+        </p:txBody>
+      </p:sp>
+    </p:spTree>
+    <p:extLst>
+      <p:ext uri="{BB962C8B-B14F-4D97-AF65-F5344CB8AC3E}">
+        <p14:creationId xmlns:p14="http://schemas.microsoft.com/office/powerpoint/2010/main" val="724933852"/>
+      </p:ext>
+    </p:extLst>
+  </p:cSld>
+  <p:clrMapOvr>
+    <a:masterClrMapping/>
+  </p:clrMapOvr>
+  <p:timing>
+    <p:tnLst>
+      <p:par>
+        <p:cTn xmlns:p14="http://schemas.microsoft.com/office/powerpoint/2010/main" id="1" dur="indefinite" restart="never" nodeType="tmRoot"/>
+      </p:par>
+    </p:tnLst>
+  </p:timing>
+</p:sld>
+</file>
+
+<file path=ppt/slides/slide32.xml><?xml version="1.0" encoding="utf-8"?>
+<p:sld xmlns:a="http://schemas.openxmlformats.org/drawingml/2006/main" xmlns:r="http://schemas.openxmlformats.org/officeDocument/2006/relationships" xmlns:p="http://schemas.openxmlformats.org/presentationml/2006/main">
+  <p:cSld>
+    <p:spTree>
+      <p:nvGrpSpPr>
+        <p:cNvPr id="1" name=""/>
+        <p:cNvGrpSpPr/>
+        <p:nvPr/>
+      </p:nvGrpSpPr>
+      <p:grpSpPr>
+        <a:xfrm>
+          <a:off x="0" y="0"/>
+          <a:ext cx="0" cy="0"/>
+          <a:chOff x="0" y="0"/>
+          <a:chExt cx="0" cy="0"/>
+        </a:xfrm>
+      </p:grpSpPr>
+      <p:sp>
+        <p:nvSpPr>
+          <p:cNvPr id="2" name="Title 1"/>
+          <p:cNvSpPr>
+            <a:spLocks noGrp="1"/>
+          </p:cNvSpPr>
+          <p:nvPr>
+            <p:ph type="title"/>
+          </p:nvPr>
+        </p:nvSpPr>
+        <p:spPr>
+          <a:xfrm>
+            <a:off x="171182" y="114452"/>
+            <a:ext cx="8109366" cy="758887"/>
+          </a:xfrm>
+        </p:spPr>
+        <p:txBody>
+          <a:bodyPr/>
+          <a:lstStyle/>
+          <a:p>
+            <a:r>
+              <a:rPr lang="en-US" dirty="0" smtClean="0"/>
+              <a:t>Preprocessing</a:t>
+            </a:r>
+            <a:endParaRPr lang="en-US" dirty="0"/>
+          </a:p>
+        </p:txBody>
+      </p:sp>
+      <p:sp>
+        <p:nvSpPr>
+          <p:cNvPr id="4" name="TextBox 3"/>
+          <p:cNvSpPr txBox="1"/>
+          <p:nvPr/>
+        </p:nvSpPr>
+        <p:spPr>
+          <a:xfrm>
+            <a:off x="1844337" y="1892673"/>
+            <a:ext cx="5455340" cy="3477875"/>
+          </a:xfrm>
+          <a:prstGeom prst="rect">
+            <a:avLst/>
+          </a:prstGeom>
+          <a:noFill/>
+        </p:spPr>
+        <p:txBody>
+          <a:bodyPr wrap="none" rtlCol="0">
+            <a:spAutoFit/>
+          </a:bodyPr>
+          <a:lstStyle/>
+          <a:p>
+            <a:pPr algn="ctr">
+              <a:lnSpc>
+                <a:spcPct val="120000"/>
+              </a:lnSpc>
+            </a:pPr>
+            <a:r>
+              <a:rPr lang="en-US" sz="8000" dirty="0" smtClean="0">
+                <a:solidFill>
+                  <a:srgbClr val="539FD8"/>
+                </a:solidFill>
+                <a:latin typeface="Helvetica Neue"/>
+                <a:cs typeface="Helvetica Neue"/>
+              </a:rPr>
+              <a:t>0.3%</a:t>
+            </a:r>
+          </a:p>
+          <a:p>
+            <a:pPr algn="ctr">
+              <a:lnSpc>
+                <a:spcPct val="120000"/>
+              </a:lnSpc>
+            </a:pPr>
+            <a:r>
+              <a:rPr lang="en-US" sz="4000" dirty="0" smtClean="0">
+                <a:latin typeface="Helvetica Neue"/>
+                <a:cs typeface="Helvetica Neue"/>
+              </a:rPr>
+              <a:t>preprocessing is better</a:t>
+            </a:r>
+          </a:p>
+          <a:p>
+            <a:pPr algn="ctr">
+              <a:lnSpc>
+                <a:spcPct val="120000"/>
+              </a:lnSpc>
+            </a:pPr>
+            <a:r>
+              <a:rPr lang="en-US" sz="4000" dirty="0" smtClean="0">
+                <a:latin typeface="Helvetica Neue"/>
+                <a:cs typeface="Helvetica Neue"/>
+              </a:rPr>
+              <a:t>with county labels</a:t>
+            </a:r>
+          </a:p>
+          <a:p>
+            <a:pPr algn="ctr">
+              <a:lnSpc>
+                <a:spcPct val="120000"/>
+              </a:lnSpc>
+            </a:pPr>
+            <a:r>
+              <a:rPr lang="en-US" sz="2400" dirty="0" smtClean="0">
+                <a:latin typeface="Helvetica Neue"/>
+                <a:cs typeface="Helvetica Neue"/>
+              </a:rPr>
+              <a:t>with </a:t>
+            </a:r>
+            <a:r>
+              <a:rPr lang="en-US" sz="2400" dirty="0" err="1" smtClean="0">
+                <a:latin typeface="Helvetica Neue"/>
+                <a:cs typeface="Helvetica Neue"/>
+              </a:rPr>
+              <a:t>MultinomialNB</a:t>
+            </a:r>
+            <a:endParaRPr lang="en-US" sz="2400" dirty="0">
+              <a:latin typeface="Helvetica Neue"/>
+              <a:cs typeface="Helvetica Neue"/>
+            </a:endParaRPr>
+          </a:p>
+        </p:txBody>
+      </p:sp>
+    </p:spTree>
+    <p:extLst>
+      <p:ext uri="{BB962C8B-B14F-4D97-AF65-F5344CB8AC3E}">
+        <p14:creationId xmlns:p14="http://schemas.microsoft.com/office/powerpoint/2010/main" val="2694208787"/>
+      </p:ext>
+    </p:extLst>
+  </p:cSld>
+  <p:clrMapOvr>
+    <a:masterClrMapping/>
+  </p:clrMapOvr>
+  <p:timing>
+    <p:tnLst>
+      <p:par>
+        <p:cTn xmlns:p14="http://schemas.microsoft.com/office/powerpoint/2010/main" id="1" dur="indefinite" restart="never" nodeType="tmRoot"/>
+      </p:par>
+    </p:tnLst>
+  </p:timing>
+</p:sld>
+</file>
+
+<file path=ppt/slides/slide33.xml><?xml version="1.0" encoding="utf-8"?>
+<p:sld xmlns:a="http://schemas.openxmlformats.org/drawingml/2006/main" xmlns:r="http://schemas.openxmlformats.org/officeDocument/2006/relationships" xmlns:p="http://schemas.openxmlformats.org/presentationml/2006/main">
+  <p:cSld>
+    <p:spTree>
+      <p:nvGrpSpPr>
+        <p:cNvPr id="1" name=""/>
+        <p:cNvGrpSpPr/>
+        <p:nvPr/>
+      </p:nvGrpSpPr>
+      <p:grpSpPr>
+        <a:xfrm>
+          <a:off x="0" y="0"/>
+          <a:ext cx="0" cy="0"/>
+          <a:chOff x="0" y="0"/>
+          <a:chExt cx="0" cy="0"/>
+        </a:xfrm>
+      </p:grpSpPr>
+      <p:sp>
+        <p:nvSpPr>
+          <p:cNvPr id="2" name="Title 1"/>
+          <p:cNvSpPr>
+            <a:spLocks noGrp="1"/>
+          </p:cNvSpPr>
+          <p:nvPr>
+            <p:ph type="title"/>
+          </p:nvPr>
+        </p:nvSpPr>
+        <p:spPr>
+          <a:xfrm>
+            <a:off x="171182" y="114452"/>
+            <a:ext cx="8109366" cy="758887"/>
+          </a:xfrm>
+        </p:spPr>
+        <p:txBody>
+          <a:bodyPr/>
+          <a:lstStyle/>
+          <a:p>
+            <a:r>
+              <a:rPr lang="en-US" dirty="0" smtClean="0"/>
+              <a:t>Difficulties</a:t>
+            </a:r>
+            <a:endParaRPr lang="en-US" dirty="0"/>
+          </a:p>
+        </p:txBody>
+      </p:sp>
+      <p:grpSp>
+        <p:nvGrpSpPr>
+          <p:cNvPr id="8" name="Group 7"/>
+          <p:cNvGrpSpPr/>
+          <p:nvPr/>
+        </p:nvGrpSpPr>
+        <p:grpSpPr>
+          <a:xfrm>
+            <a:off x="1395352" y="1498066"/>
+            <a:ext cx="6353296" cy="4700459"/>
+            <a:chOff x="2191263" y="1498066"/>
+            <a:chExt cx="6353296" cy="4700459"/>
+          </a:xfrm>
+        </p:grpSpPr>
+        <p:pic>
+          <p:nvPicPr>
+            <p:cNvPr id="4" name="Picture 3" descr="Screen Shot 2014-05-08 at 1.26.44 PM.png"/>
+            <p:cNvPicPr>
+              <a:picLocks noChangeAspect="1"/>
+            </p:cNvPicPr>
+            <p:nvPr/>
+          </p:nvPicPr>
+          <p:blipFill>
+            <a:blip r:embed="rId2">
+              <a:extLst>
+                <a:ext uri="{28A0092B-C50C-407E-A947-70E740481C1C}">
+                  <a14:useLocalDpi xmlns:a14="http://schemas.microsoft.com/office/drawing/2010/main" val="0"/>
+                </a:ext>
+              </a:extLst>
+            </a:blip>
+            <a:stretch>
+              <a:fillRect/>
+            </a:stretch>
+          </p:blipFill>
+          <p:spPr>
+            <a:xfrm>
+              <a:off x="2191263" y="3202390"/>
+              <a:ext cx="4482849" cy="1313523"/>
+            </a:xfrm>
+            <a:prstGeom prst="rect">
+              <a:avLst/>
+            </a:prstGeom>
+          </p:spPr>
+        </p:pic>
+        <p:pic>
+          <p:nvPicPr>
+            <p:cNvPr id="5" name="Picture 4" descr="Screen Shot 2014-05-08 at 1.27.33 PM.png"/>
+            <p:cNvPicPr>
+              <a:picLocks noChangeAspect="1"/>
+            </p:cNvPicPr>
+            <p:nvPr/>
+          </p:nvPicPr>
+          <p:blipFill>
+            <a:blip r:embed="rId3">
+              <a:extLst>
+                <a:ext uri="{28A0092B-C50C-407E-A947-70E740481C1C}">
+                  <a14:useLocalDpi xmlns:a14="http://schemas.microsoft.com/office/drawing/2010/main" val="0"/>
+                </a:ext>
+              </a:extLst>
+            </a:blip>
+            <a:stretch>
+              <a:fillRect/>
+            </a:stretch>
+          </p:blipFill>
+          <p:spPr>
+            <a:xfrm>
+              <a:off x="2191263" y="1498066"/>
+              <a:ext cx="6353296" cy="1563201"/>
+            </a:xfrm>
+            <a:prstGeom prst="rect">
+              <a:avLst/>
+            </a:prstGeom>
+          </p:spPr>
+        </p:pic>
+        <p:pic>
+          <p:nvPicPr>
+            <p:cNvPr id="6" name="Picture 5" descr="Screen Shot 2014-05-08 at 1.32.02 PM.png"/>
+            <p:cNvPicPr>
+              <a:picLocks noChangeAspect="1"/>
+            </p:cNvPicPr>
+            <p:nvPr/>
+          </p:nvPicPr>
+          <p:blipFill rotWithShape="1">
+            <a:blip r:embed="rId4">
+              <a:extLst>
+                <a:ext uri="{28A0092B-C50C-407E-A947-70E740481C1C}">
+                  <a14:useLocalDpi xmlns:a14="http://schemas.microsoft.com/office/drawing/2010/main" val="0"/>
+                </a:ext>
+              </a:extLst>
+            </a:blip>
+            <a:srcRect r="48308"/>
+            <a:stretch/>
+          </p:blipFill>
+          <p:spPr>
+            <a:xfrm>
+              <a:off x="2191263" y="4814225"/>
+              <a:ext cx="2652240" cy="1384300"/>
+            </a:xfrm>
+            <a:prstGeom prst="rect">
+              <a:avLst/>
+            </a:prstGeom>
+          </p:spPr>
+        </p:pic>
+      </p:grpSp>
+    </p:spTree>
+    <p:extLst>
+      <p:ext uri="{BB962C8B-B14F-4D97-AF65-F5344CB8AC3E}">
+        <p14:creationId xmlns:p14="http://schemas.microsoft.com/office/powerpoint/2010/main" val="3228100409"/>
+      </p:ext>
+    </p:extLst>
+  </p:cSld>
+  <p:clrMapOvr>
+    <a:masterClrMapping/>
+  </p:clrMapOvr>
+  <p:timing>
+    <p:tnLst>
+      <p:par>
+        <p:cTn xmlns:p14="http://schemas.microsoft.com/office/powerpoint/2010/main" id="1" dur="indefinite" restart="never" nodeType="tmRoot"/>
+      </p:par>
+    </p:tnLst>
+  </p:timing>
+</p:sld>
+</file>
+
+<file path=ppt/slides/slide34.xml><?xml version="1.0" encoding="utf-8"?>
+<p:sld xmlns:a="http://schemas.openxmlformats.org/drawingml/2006/main" xmlns:r="http://schemas.openxmlformats.org/officeDocument/2006/relationships" xmlns:p="http://schemas.openxmlformats.org/presentationml/2006/main">
+  <p:cSld>
+    <p:spTree>
+      <p:nvGrpSpPr>
+        <p:cNvPr id="1" name=""/>
+        <p:cNvGrpSpPr/>
+        <p:nvPr/>
+      </p:nvGrpSpPr>
+      <p:grpSpPr>
+        <a:xfrm>
+          <a:off x="0" y="0"/>
+          <a:ext cx="0" cy="0"/>
+          <a:chOff x="0" y="0"/>
+          <a:chExt cx="0" cy="0"/>
+        </a:xfrm>
+      </p:grpSpPr>
+      <p:sp>
+        <p:nvSpPr>
+          <p:cNvPr id="2" name="Title 1"/>
+          <p:cNvSpPr>
+            <a:spLocks noGrp="1"/>
+          </p:cNvSpPr>
+          <p:nvPr>
+            <p:ph type="title"/>
+          </p:nvPr>
+        </p:nvSpPr>
+        <p:spPr>
+          <a:xfrm>
+            <a:off x="171182" y="114452"/>
+            <a:ext cx="8109366" cy="758887"/>
+          </a:xfrm>
+        </p:spPr>
+        <p:txBody>
+          <a:bodyPr/>
+          <a:lstStyle/>
+          <a:p>
+            <a:r>
+              <a:rPr lang="en-US" dirty="0" smtClean="0"/>
+              <a:t>Further Work</a:t>
+            </a:r>
+            <a:endParaRPr lang="en-US" dirty="0"/>
+          </a:p>
+        </p:txBody>
+      </p:sp>
+      <p:sp>
+        <p:nvSpPr>
+          <p:cNvPr id="3" name="TextBox 2"/>
+          <p:cNvSpPr txBox="1"/>
+          <p:nvPr/>
+        </p:nvSpPr>
+        <p:spPr>
+          <a:xfrm>
+            <a:off x="1241601" y="1443789"/>
+            <a:ext cx="6660798" cy="2062103"/>
+          </a:xfrm>
+          <a:prstGeom prst="rect">
+            <a:avLst/>
+          </a:prstGeom>
+          <a:noFill/>
+        </p:spPr>
+        <p:txBody>
+          <a:bodyPr wrap="none" rtlCol="0">
+            <a:spAutoFit/>
+          </a:bodyPr>
+          <a:lstStyle/>
+          <a:p>
+            <a:pPr marL="285750" indent="-285750">
+              <a:buFont typeface="Arial"/>
+              <a:buChar char="•"/>
+            </a:pPr>
+            <a:r>
+              <a:rPr lang="en-US" sz="3200" dirty="0" smtClean="0">
+                <a:latin typeface="Helvetica Neue"/>
+                <a:cs typeface="Helvetica Neue"/>
+              </a:rPr>
+              <a:t>Larger sample size</a:t>
+            </a:r>
+          </a:p>
+          <a:p>
+            <a:pPr marL="285750" indent="-285750">
+              <a:buFont typeface="Arial"/>
+              <a:buChar char="•"/>
+            </a:pPr>
+            <a:r>
+              <a:rPr lang="en-US" sz="3200" dirty="0" smtClean="0">
+                <a:latin typeface="Helvetica Neue"/>
+                <a:cs typeface="Helvetica Neue"/>
+              </a:rPr>
+              <a:t>Metropolitan Area Boundaries</a:t>
+            </a:r>
+          </a:p>
+          <a:p>
+            <a:pPr marL="285750" indent="-285750">
+              <a:buFont typeface="Arial"/>
+              <a:buChar char="•"/>
+            </a:pPr>
+            <a:r>
+              <a:rPr lang="en-US" sz="3200" dirty="0" smtClean="0">
+                <a:latin typeface="Helvetica Neue"/>
+                <a:cs typeface="Helvetica Neue"/>
+              </a:rPr>
+              <a:t>Filter tweets containing </a:t>
+            </a:r>
+            <a:r>
+              <a:rPr lang="en-US" sz="3200" dirty="0" err="1" smtClean="0">
+                <a:latin typeface="Helvetica Neue"/>
+                <a:cs typeface="Helvetica Neue"/>
+              </a:rPr>
+              <a:t>toponyms</a:t>
+            </a:r>
+            <a:endParaRPr lang="en-US" sz="3200" dirty="0" smtClean="0">
+              <a:latin typeface="Helvetica Neue"/>
+              <a:cs typeface="Helvetica Neue"/>
+            </a:endParaRPr>
+          </a:p>
+          <a:p>
+            <a:pPr marL="285750" indent="-285750">
+              <a:buFont typeface="Arial"/>
+              <a:buChar char="•"/>
+            </a:pPr>
+            <a:r>
+              <a:rPr lang="en-US" sz="3200" dirty="0" smtClean="0">
+                <a:latin typeface="Helvetica Neue"/>
+                <a:cs typeface="Helvetica Neue"/>
+              </a:rPr>
+              <a:t>Integration with Wikipedia</a:t>
+            </a:r>
+            <a:endParaRPr lang="en-US" sz="3200" dirty="0">
+              <a:latin typeface="Helvetica Neue"/>
+              <a:cs typeface="Helvetica Neue"/>
+            </a:endParaRPr>
+          </a:p>
+        </p:txBody>
+      </p:sp>
+    </p:spTree>
+    <p:extLst>
+      <p:ext uri="{BB962C8B-B14F-4D97-AF65-F5344CB8AC3E}">
+        <p14:creationId xmlns:p14="http://schemas.microsoft.com/office/powerpoint/2010/main" val="1512580718"/>
+      </p:ext>
+    </p:extLst>
+  </p:cSld>
+  <p:clrMapOvr>
+    <a:masterClrMapping/>
+  </p:clrMapOvr>
+  <p:timing>
+    <p:tnLst>
+      <p:par>
+        <p:cTn xmlns:p14="http://schemas.microsoft.com/office/powerpoint/2010/main" id="1" dur="indefinite" restart="never" nodeType="tmRoot"/>
+      </p:par>
+    </p:tnLst>
+  </p:timing>
+</p:sld>
+</file>
+
+<file path=ppt/slides/slide35.xml><?xml version="1.0" encoding="utf-8"?>
+<p:sld xmlns:a="http://schemas.openxmlformats.org/drawingml/2006/main" xmlns:r="http://schemas.openxmlformats.org/officeDocument/2006/relationships" xmlns:p="http://schemas.openxmlformats.org/presentationml/2006/main">
+  <p:cSld>
+    <p:spTree>
+      <p:nvGrpSpPr>
+        <p:cNvPr id="1" name=""/>
+        <p:cNvGrpSpPr/>
+        <p:nvPr/>
+      </p:nvGrpSpPr>
+      <p:grpSpPr>
+        <a:xfrm>
+          <a:off x="0" y="0"/>
+          <a:ext cx="0" cy="0"/>
+          <a:chOff x="0" y="0"/>
+          <a:chExt cx="0" cy="0"/>
+        </a:xfrm>
+      </p:grpSpPr>
+      <p:sp>
+        <p:nvSpPr>
+          <p:cNvPr id="2" name="Title 1"/>
+          <p:cNvSpPr>
+            <a:spLocks noGrp="1"/>
+          </p:cNvSpPr>
+          <p:nvPr>
+            <p:ph type="title"/>
+          </p:nvPr>
+        </p:nvSpPr>
+        <p:spPr>
+          <a:xfrm>
+            <a:off x="171182" y="114452"/>
+            <a:ext cx="8109366" cy="758887"/>
+          </a:xfrm>
+        </p:spPr>
+        <p:txBody>
+          <a:bodyPr/>
+          <a:lstStyle/>
+          <a:p>
+            <a:r>
+              <a:rPr lang="en-US" dirty="0" smtClean="0"/>
+              <a:t>Thanks</a:t>
+            </a:r>
+            <a:endParaRPr lang="en-US" dirty="0"/>
+          </a:p>
+        </p:txBody>
+      </p:sp>
+      <p:sp>
+        <p:nvSpPr>
+          <p:cNvPr id="3" name="TextBox 2"/>
+          <p:cNvSpPr txBox="1"/>
+          <p:nvPr/>
+        </p:nvSpPr>
+        <p:spPr>
+          <a:xfrm>
+            <a:off x="1602945" y="1443791"/>
+            <a:ext cx="5134739" cy="3539430"/>
+          </a:xfrm>
+          <a:prstGeom prst="rect">
+            <a:avLst/>
+          </a:prstGeom>
+          <a:noFill/>
+        </p:spPr>
+        <p:txBody>
+          <a:bodyPr wrap="none" rtlCol="0">
+            <a:spAutoFit/>
+          </a:bodyPr>
+          <a:lstStyle/>
+          <a:p>
+            <a:pPr marL="285750" indent="-285750">
+              <a:buFont typeface="Arial"/>
+              <a:buChar char="•"/>
+            </a:pPr>
+            <a:r>
+              <a:rPr lang="en-US" sz="3200" b="1" dirty="0" smtClean="0">
+                <a:latin typeface="Helvetica Neue"/>
+                <a:cs typeface="Helvetica Neue"/>
+              </a:rPr>
+              <a:t>David </a:t>
+            </a:r>
+            <a:r>
+              <a:rPr lang="en-US" sz="3200" b="1" dirty="0" err="1" smtClean="0">
+                <a:latin typeface="Helvetica Neue"/>
+                <a:cs typeface="Helvetica Neue"/>
+              </a:rPr>
+              <a:t>Kauchak</a:t>
+            </a:r>
+            <a:r>
+              <a:rPr lang="en-US" sz="3200" b="1" dirty="0" smtClean="0">
+                <a:latin typeface="Helvetica Neue"/>
+                <a:cs typeface="Helvetica Neue"/>
+              </a:rPr>
+              <a:t>, Advisor</a:t>
+            </a:r>
+          </a:p>
+          <a:p>
+            <a:pPr marL="285750" indent="-285750">
+              <a:buFont typeface="Arial"/>
+              <a:buChar char="•"/>
+            </a:pPr>
+            <a:r>
+              <a:rPr lang="en-US" sz="3200" dirty="0" smtClean="0">
+                <a:latin typeface="Helvetica Neue"/>
+                <a:cs typeface="Helvetica Neue"/>
+              </a:rPr>
+              <a:t>Matt Dickerson</a:t>
+            </a:r>
+          </a:p>
+          <a:p>
+            <a:pPr marL="285750" indent="-285750">
+              <a:buFont typeface="Arial"/>
+              <a:buChar char="•"/>
+            </a:pPr>
+            <a:r>
+              <a:rPr lang="en-US" sz="3200" dirty="0" smtClean="0">
+                <a:latin typeface="Helvetica Neue"/>
+                <a:cs typeface="Helvetica Neue"/>
+              </a:rPr>
+              <a:t>Daniel </a:t>
+            </a:r>
+            <a:r>
+              <a:rPr lang="en-US" sz="3200" dirty="0" err="1" smtClean="0">
+                <a:latin typeface="Helvetica Neue"/>
+                <a:cs typeface="Helvetica Neue"/>
+              </a:rPr>
+              <a:t>Scharstein</a:t>
+            </a:r>
+            <a:endParaRPr lang="en-US" sz="3200" dirty="0" smtClean="0">
+              <a:latin typeface="Helvetica Neue"/>
+              <a:cs typeface="Helvetica Neue"/>
+            </a:endParaRPr>
+          </a:p>
+          <a:p>
+            <a:pPr marL="285750" indent="-285750">
+              <a:buFont typeface="Arial"/>
+              <a:buChar char="•"/>
+            </a:pPr>
+            <a:r>
+              <a:rPr lang="en-US" sz="3200" dirty="0" smtClean="0">
+                <a:latin typeface="Helvetica Neue"/>
+                <a:cs typeface="Helvetica Neue"/>
+              </a:rPr>
+              <a:t>Amy Briggs</a:t>
+            </a:r>
+          </a:p>
+          <a:p>
+            <a:pPr marL="285750" indent="-285750">
+              <a:buFont typeface="Arial"/>
+              <a:buChar char="•"/>
+            </a:pPr>
+            <a:r>
+              <a:rPr lang="en-US" sz="3200" dirty="0" smtClean="0">
+                <a:latin typeface="Helvetica Neue"/>
+                <a:cs typeface="Helvetica Neue"/>
+              </a:rPr>
+              <a:t>Amy Rose</a:t>
+            </a:r>
+          </a:p>
+          <a:p>
+            <a:pPr marL="285750" indent="-285750">
+              <a:buFont typeface="Arial"/>
+              <a:buChar char="•"/>
+            </a:pPr>
+            <a:r>
+              <a:rPr lang="en-US" sz="3200" dirty="0" smtClean="0">
+                <a:latin typeface="Helvetica Neue"/>
+                <a:cs typeface="Helvetica Neue"/>
+              </a:rPr>
+              <a:t>CS Department</a:t>
+            </a:r>
+          </a:p>
+          <a:p>
+            <a:pPr marL="285750" indent="-285750">
+              <a:buFont typeface="Arial"/>
+              <a:buChar char="•"/>
+            </a:pPr>
+            <a:r>
+              <a:rPr lang="en-US" sz="3200" dirty="0" smtClean="0">
+                <a:latin typeface="Helvetica Neue"/>
+                <a:cs typeface="Helvetica Neue"/>
+              </a:rPr>
+              <a:t>Friends + Family</a:t>
+            </a:r>
+            <a:endParaRPr lang="en-US" sz="3200" dirty="0">
+              <a:latin typeface="Helvetica Neue"/>
+              <a:cs typeface="Helvetica Neue"/>
+            </a:endParaRPr>
+          </a:p>
+        </p:txBody>
+      </p:sp>
+    </p:spTree>
+    <p:extLst>
+      <p:ext uri="{BB962C8B-B14F-4D97-AF65-F5344CB8AC3E}">
+        <p14:creationId xmlns:p14="http://schemas.microsoft.com/office/powerpoint/2010/main" val="1804887020"/>
+      </p:ext>
+    </p:extLst>
+  </p:cSld>
+  <p:clrMapOvr>
+    <a:masterClrMapping/>
+  </p:clrMapOvr>
+  <p:timing>
+    <p:tnLst>
+      <p:par>
+        <p:cTn xmlns:p14="http://schemas.microsoft.com/office/powerpoint/2010/main" id="1" dur="indefinite" restart="never" nodeType="tmRoot"/>
+      </p:par>
+    </p:tnLst>
+  </p:timing>
+</p:sld>
+</file>
+
+<file path=ppt/slides/slide36.xml><?xml version="1.0" encoding="utf-8"?>
+<p:sld xmlns:a="http://schemas.openxmlformats.org/drawingml/2006/main" xmlns:r="http://schemas.openxmlformats.org/officeDocument/2006/relationships" xmlns:p="http://schemas.openxmlformats.org/presentationml/2006/main">
+  <p:cSld>
+    <p:spTree>
+      <p:nvGrpSpPr>
+        <p:cNvPr id="1" name=""/>
+        <p:cNvGrpSpPr/>
+        <p:nvPr/>
+      </p:nvGrpSpPr>
+      <p:grpSpPr>
+        <a:xfrm>
+          <a:off x="0" y="0"/>
+          <a:ext cx="0" cy="0"/>
+          <a:chOff x="0" y="0"/>
+          <a:chExt cx="0" cy="0"/>
+        </a:xfrm>
+      </p:grpSpPr>
+      <p:sp>
+        <p:nvSpPr>
+          <p:cNvPr id="2" name="Title 1"/>
+          <p:cNvSpPr>
+            <a:spLocks noGrp="1"/>
+          </p:cNvSpPr>
+          <p:nvPr>
+            <p:ph type="title"/>
+          </p:nvPr>
+        </p:nvSpPr>
+        <p:spPr>
+          <a:xfrm>
+            <a:off x="171182" y="114452"/>
+            <a:ext cx="8109366" cy="758887"/>
+          </a:xfrm>
+        </p:spPr>
+        <p:txBody>
+          <a:bodyPr/>
+          <a:lstStyle/>
+          <a:p>
+            <a:r>
+              <a:rPr lang="en-US" dirty="0" smtClean="0"/>
+              <a:t>Questions?</a:t>
+            </a:r>
+            <a:endParaRPr lang="en-US" dirty="0"/>
+          </a:p>
+        </p:txBody>
+      </p:sp>
+      <p:sp>
+        <p:nvSpPr>
+          <p:cNvPr id="3" name="TextBox 2"/>
+          <p:cNvSpPr txBox="1"/>
+          <p:nvPr/>
+        </p:nvSpPr>
+        <p:spPr>
+          <a:xfrm>
+            <a:off x="1602945" y="2431647"/>
+            <a:ext cx="4951836" cy="1569660"/>
+          </a:xfrm>
+          <a:prstGeom prst="rect">
+            <a:avLst/>
+          </a:prstGeom>
+          <a:noFill/>
+        </p:spPr>
+        <p:txBody>
+          <a:bodyPr wrap="none" rtlCol="0">
+            <a:spAutoFit/>
+          </a:bodyPr>
+          <a:lstStyle/>
+          <a:p>
+            <a:pPr algn="ctr"/>
+            <a:r>
+              <a:rPr lang="en-US" sz="3200" dirty="0" smtClean="0">
+                <a:latin typeface="Helvetica Neue"/>
+                <a:cs typeface="Helvetica Neue"/>
+              </a:rPr>
+              <a:t>Will Potter</a:t>
+            </a:r>
+          </a:p>
+          <a:p>
+            <a:pPr algn="ctr"/>
+            <a:r>
+              <a:rPr lang="en-US" sz="3200" dirty="0" smtClean="0">
+                <a:latin typeface="Helvetica Neue"/>
+                <a:cs typeface="Helvetica Neue"/>
+                <a:hlinkClick r:id="rId2"/>
+              </a:rPr>
+              <a:t>wspotter@middlebury.edu</a:t>
+            </a:r>
+            <a:endParaRPr lang="en-US" sz="3200" dirty="0" smtClean="0">
+              <a:latin typeface="Helvetica Neue"/>
+              <a:cs typeface="Helvetica Neue"/>
+            </a:endParaRPr>
+          </a:p>
+          <a:p>
+            <a:pPr algn="ctr"/>
+            <a:r>
+              <a:rPr lang="en-US" sz="3200" dirty="0" smtClean="0">
+                <a:latin typeface="Helvetica Neue"/>
+                <a:cs typeface="Helvetica Neue"/>
+              </a:rPr>
+              <a:t>781-439-2878</a:t>
+            </a:r>
+            <a:endParaRPr lang="en-US" sz="3200" dirty="0">
+              <a:latin typeface="Helvetica Neue"/>
+              <a:cs typeface="Helvetica Neue"/>
+            </a:endParaRPr>
+          </a:p>
+        </p:txBody>
+      </p:sp>
+    </p:spTree>
+    <p:extLst>
+      <p:ext uri="{BB962C8B-B14F-4D97-AF65-F5344CB8AC3E}">
+        <p14:creationId xmlns:p14="http://schemas.microsoft.com/office/powerpoint/2010/main" val="1754954228"/>
+      </p:ext>
+    </p:extLst>
+  </p:cSld>
+  <p:clrMapOvr>
+    <a:masterClrMapping/>
+  </p:clrMapOvr>
+  <p:timing>
+    <p:tnLst>
+      <p:par>
+        <p:cTn xmlns:p14="http://schemas.microsoft.com/office/powerpoint/2010/main" id="1" dur="indefinite" restart="never" nodeType="tmRoot"/>
+      </p:par>
+    </p:tnLst>
+  </p:timing>
+</p:sld>
+</file>
+
+<file path=ppt/slides/slide37.xml><?xml version="1.0" encoding="utf-8"?>
+<p:sld xmlns:a="http://schemas.openxmlformats.org/drawingml/2006/main" xmlns:r="http://schemas.openxmlformats.org/officeDocument/2006/relationships" xmlns:p="http://schemas.openxmlformats.org/presentationml/2006/main">
+  <p:cSld>
+    <p:spTree>
+      <p:nvGrpSpPr>
+        <p:cNvPr id="1" name=""/>
+        <p:cNvGrpSpPr/>
+        <p:nvPr/>
+      </p:nvGrpSpPr>
+      <p:grpSpPr>
+        <a:xfrm>
+          <a:off x="0" y="0"/>
+          <a:ext cx="0" cy="0"/>
+          <a:chOff x="0" y="0"/>
+          <a:chExt cx="0" cy="0"/>
+        </a:xfrm>
+      </p:grpSpPr>
+      <p:sp>
+        <p:nvSpPr>
+          <p:cNvPr id="2" name="Title 1"/>
+          <p:cNvSpPr>
+            <a:spLocks noGrp="1"/>
+          </p:cNvSpPr>
+          <p:nvPr>
+            <p:ph type="title"/>
+          </p:nvPr>
+        </p:nvSpPr>
+        <p:spPr>
+          <a:xfrm>
+            <a:off x="171182" y="114452"/>
+            <a:ext cx="8109366" cy="758887"/>
+          </a:xfrm>
+        </p:spPr>
+        <p:txBody>
+          <a:bodyPr/>
+          <a:lstStyle/>
+          <a:p>
+            <a:r>
+              <a:rPr lang="en-US" dirty="0" smtClean="0"/>
+              <a:t>Images</a:t>
+            </a:r>
+            <a:endParaRPr lang="en-US" dirty="0"/>
+          </a:p>
+        </p:txBody>
+      </p:sp>
+      <p:sp>
+        <p:nvSpPr>
+          <p:cNvPr id="4" name="TextBox 3"/>
+          <p:cNvSpPr txBox="1"/>
+          <p:nvPr/>
+        </p:nvSpPr>
+        <p:spPr>
+          <a:xfrm>
+            <a:off x="171182" y="873339"/>
+            <a:ext cx="8641929" cy="3416319"/>
+          </a:xfrm>
+          <a:prstGeom prst="rect">
+            <a:avLst/>
+          </a:prstGeom>
+          <a:noFill/>
+        </p:spPr>
+        <p:txBody>
+          <a:bodyPr wrap="none" rtlCol="0">
+            <a:spAutoFit/>
+          </a:bodyPr>
+          <a:lstStyle/>
+          <a:p>
+            <a:r>
               <a:rPr lang="en-US" sz="1200" b="1" dirty="0" smtClean="0">
                 <a:latin typeface="Helvetica Neue"/>
                 <a:cs typeface="Helvetica Neue"/>
               </a:rPr>
-              <a:t>Slide 2</a:t>
+              <a:t>Slide 4</a:t>
             </a:r>
           </a:p>
           <a:p>
@@ -7257,24 +10389,7 @@
                 <a:latin typeface="Helvetica Neue"/>
                 <a:cs typeface="Helvetica Neue"/>
               </a:rPr>
-              <a:t>Slide 7</a:t>
-            </a:r>
-          </a:p>
-          <a:p>
-            <a:r>
-              <a:rPr lang="en-US" sz="1200" dirty="0" smtClean="0">
-                <a:latin typeface="Helvetica Neue"/>
-                <a:cs typeface="Helvetica Neue"/>
-              </a:rPr>
-              <a:t>Permission Image – </a:t>
-            </a:r>
-            <a:r>
-              <a:rPr lang="en-US" sz="1200" dirty="0" smtClean="0">
-                <a:latin typeface="Helvetica Neue"/>
-                <a:cs typeface="Helvetica Neue"/>
-                <a:hlinkClick r:id="rId4"/>
-              </a:rPr>
-              <a:t>http://mobile.twitter.com</a:t>
+              <a:t>Slide 5</a:t>
             </a:r>
             <a:endParaRPr lang="en-US" sz="1200" dirty="0" smtClean="0">
               <a:latin typeface="Helvetica Neue"/>
@@ -7283,36 +10398,18 @@
           </a:p>
           <a:p>
             <a:r>
-              <a:rPr lang="en-US" sz="1200" b="1" dirty="0" smtClean="0">
-                <a:latin typeface="Helvetica Neue"/>
-                <a:cs typeface="Helvetica Neue"/>
-              </a:rPr>
-              <a:t>Slide 11</a:t>
-            </a:r>
-          </a:p>
-          <a:p>
-            <a:r>
-              <a:rPr lang="en-US" sz="1200" dirty="0">
-                <a:latin typeface="Helvetica Neue"/>
-                <a:cs typeface="Helvetica Neue"/>
-              </a:rPr>
-              <a:t>Document Image - </a:t>
-            </a:r>
-            <a:r>
-              <a:rPr lang="en-US" sz="1200" dirty="0">
-                <a:latin typeface="Helvetica Neue"/>
-                <a:cs typeface="Helvetica Neue"/>
-                <a:hlinkClick r:id="rId5"/>
-              </a:rPr>
-              <a:t>http://icons.iconarchive.com/icons/visualpharm/icons8-metro-style/512/Very-Basic-Document-</a:t>
-            </a:r>
-            <a:r>
               <a:rPr lang="en-US" sz="1200" dirty="0" smtClean="0">
                 <a:latin typeface="Helvetica Neue"/>
                 <a:cs typeface="Helvetica Neue"/>
-                <a:hlinkClick r:id="rId5"/>
-              </a:rPr>
-              <a:t>icon.png</a:t>
+              </a:rPr>
+              <a:t>http://</a:t>
+            </a:r>
+            <a:r>
+              <a:rPr lang="en-US" sz="1200" dirty="0" err="1" smtClean="0">
+                <a:latin typeface="Helvetica Neue"/>
+                <a:cs typeface="Helvetica Neue"/>
+              </a:rPr>
+              <a:t>twitter.com</a:t>
             </a:r>
             <a:endParaRPr lang="en-US" sz="1200" dirty="0" smtClean="0">
               <a:latin typeface="Helvetica Neue"/>
@@ -7320,6 +10417,166 @@
             </a:endParaRPr>
           </a:p>
           <a:p>
+            <a:r>
+              <a:rPr lang="en-US" sz="1200" b="1" dirty="0" smtClean="0">
+                <a:latin typeface="Helvetica Neue"/>
+                <a:cs typeface="Helvetica Neue"/>
+              </a:rPr>
+              <a:t>Slide 7</a:t>
+            </a:r>
+          </a:p>
+          <a:p>
+            <a:r>
+              <a:rPr lang="en-US" sz="1200" dirty="0" smtClean="0">
+                <a:latin typeface="Helvetica Neue"/>
+                <a:cs typeface="Helvetica Neue"/>
+              </a:rPr>
+              <a:t>Permission Image – </a:t>
+            </a:r>
+            <a:r>
+              <a:rPr lang="en-US" sz="1200" dirty="0" smtClean="0">
+                <a:latin typeface="Helvetica Neue"/>
+                <a:cs typeface="Helvetica Neue"/>
+                <a:hlinkClick r:id="rId4"/>
+              </a:rPr>
+              <a:t>http://mobile.twitter.com</a:t>
+            </a:r>
+            <a:endParaRPr lang="en-US" sz="1200" dirty="0" smtClean="0">
+              <a:latin typeface="Helvetica Neue"/>
+              <a:cs typeface="Helvetica Neue"/>
+            </a:endParaRPr>
+          </a:p>
+          <a:p>
+            <a:r>
+              <a:rPr lang="en-US" sz="1200" b="1" dirty="0" smtClean="0">
+                <a:latin typeface="Helvetica Neue"/>
+                <a:cs typeface="Helvetica Neue"/>
+              </a:rPr>
+              <a:t>Slide 10</a:t>
+            </a:r>
+          </a:p>
+          <a:p>
+            <a:r>
+              <a:rPr lang="en-US" sz="1200" dirty="0">
+                <a:latin typeface="Helvetica Neue"/>
+                <a:cs typeface="Helvetica Neue"/>
+              </a:rPr>
+              <a:t>Document Image - </a:t>
+            </a:r>
+            <a:r>
+              <a:rPr lang="en-US" sz="1200" dirty="0">
+                <a:latin typeface="Helvetica Neue"/>
+                <a:cs typeface="Helvetica Neue"/>
+                <a:hlinkClick r:id="rId5"/>
+              </a:rPr>
+              <a:t>http://icons.iconarchive.com/icons/visualpharm/icons8-metro-style/512/Very-Basic-Document-</a:t>
+            </a:r>
+            <a:r>
+              <a:rPr lang="en-US" sz="1200" dirty="0" smtClean="0">
+                <a:latin typeface="Helvetica Neue"/>
+                <a:cs typeface="Helvetica Neue"/>
+                <a:hlinkClick r:id="rId5"/>
+              </a:rPr>
+              <a:t>icon.png</a:t>
+            </a:r>
+            <a:endParaRPr lang="en-US" sz="1200" dirty="0" smtClean="0">
+              <a:latin typeface="Helvetica Neue"/>
+              <a:cs typeface="Helvetica Neue"/>
+            </a:endParaRPr>
+          </a:p>
+          <a:p>
+            <a:r>
+              <a:rPr lang="en-US" sz="1200" b="1" dirty="0" smtClean="0">
+                <a:latin typeface="Helvetica Neue"/>
+                <a:cs typeface="Helvetica Neue"/>
+              </a:rPr>
+              <a:t>Slide 13,14,15</a:t>
+            </a:r>
+          </a:p>
+          <a:p>
+            <a:r>
+              <a:rPr lang="en-US" sz="1200" dirty="0" smtClean="0">
+                <a:latin typeface="Helvetica Neue"/>
+                <a:cs typeface="Helvetica Neue"/>
+                <a:hlinkClick r:id="rId6"/>
+              </a:rPr>
+              <a:t>http://twitter.com</a:t>
+            </a:r>
+            <a:endParaRPr lang="en-US" sz="1200" dirty="0" smtClean="0">
+              <a:latin typeface="Helvetica Neue"/>
+              <a:cs typeface="Helvetica Neue"/>
+            </a:endParaRPr>
+          </a:p>
+          <a:p>
+            <a:r>
+              <a:rPr lang="en-US" sz="1200" b="1" dirty="0" smtClean="0">
+                <a:latin typeface="Helvetica Neue"/>
+                <a:cs typeface="Helvetica Neue"/>
+              </a:rPr>
+              <a:t>Slide 17,18,19</a:t>
+            </a:r>
+          </a:p>
+          <a:p>
+            <a:r>
+              <a:rPr lang="en-US" sz="1200" dirty="0" smtClean="0">
+                <a:latin typeface="Helvetica Neue"/>
+                <a:cs typeface="Helvetica Neue"/>
+                <a:hlinkClick r:id="rId7"/>
+              </a:rPr>
+              <a:t>http://mapbox.com</a:t>
+            </a:r>
+            <a:r>
+              <a:rPr lang="en-US" sz="1200" dirty="0" smtClean="0">
+                <a:latin typeface="Helvetica Neue"/>
+                <a:cs typeface="Helvetica Neue"/>
+              </a:rPr>
+              <a:t> and Will Potter</a:t>
+            </a:r>
+          </a:p>
+          <a:p>
+            <a:r>
+              <a:rPr lang="en-US" sz="1200" b="1" dirty="0" smtClean="0">
+                <a:latin typeface="Helvetica Neue"/>
+                <a:cs typeface="Helvetica Neue"/>
+              </a:rPr>
+              <a:t>Slide 21,22,24,25</a:t>
+            </a:r>
+          </a:p>
+          <a:p>
+            <a:r>
+              <a:rPr lang="en-US" sz="1200" dirty="0" smtClean="0">
+                <a:latin typeface="Helvetica Neue"/>
+                <a:cs typeface="Helvetica Neue"/>
+                <a:hlinkClick r:id="rId6"/>
+              </a:rPr>
+              <a:t>http://twitter.com</a:t>
+            </a:r>
+            <a:r>
+              <a:rPr lang="en-US" sz="1200" dirty="0" smtClean="0">
+                <a:latin typeface="Helvetica Neue"/>
+                <a:cs typeface="Helvetica Neue"/>
+              </a:rPr>
+              <a:t> </a:t>
+            </a:r>
+          </a:p>
+          <a:p>
+            <a:r>
+              <a:rPr lang="en-US" sz="1200" b="1" dirty="0" smtClean="0">
+                <a:latin typeface="Helvetica Neue"/>
+                <a:cs typeface="Helvetica Neue"/>
+              </a:rPr>
+              <a:t>Slide 34</a:t>
+            </a:r>
+          </a:p>
+          <a:p>
+            <a:r>
+              <a:rPr lang="en-US" sz="1200" dirty="0" smtClean="0">
+                <a:latin typeface="Helvetica Neue"/>
+                <a:cs typeface="Helvetica Neue"/>
+                <a:hlinkClick r:id="rId6"/>
+              </a:rPr>
+              <a:t>http://twitter.com</a:t>
+            </a:r>
             <a:endParaRPr lang="en-US" sz="1200" dirty="0" smtClean="0">
               <a:latin typeface="Helvetica Neue"/>
               <a:cs typeface="Helvetica Neue"/>
@@ -8300,7 +11557,7 @@
           <a:p>
             <a:r>
               <a:rPr lang="en-US" dirty="0" smtClean="0"/>
-              <a:t>Why</a:t>
+              <a:t>Plan</a:t>
             </a:r>
             <a:endParaRPr lang="en-US" dirty="0"/>
           </a:p>
@@ -8308,14 +11565,14 @@
       </p:sp>
       <p:sp>
         <p:nvSpPr>
-          <p:cNvPr id="6" name="TextBox 5"/>
+          <p:cNvPr id="5" name="TextBox 4"/>
           <p:cNvSpPr txBox="1"/>
           <p:nvPr/>
         </p:nvSpPr>
         <p:spPr>
           <a:xfrm>
-            <a:off x="268858" y="4503576"/>
-            <a:ext cx="8606285" cy="630942"/>
+            <a:off x="676364" y="1019871"/>
+            <a:ext cx="7791273" cy="3954929"/>
           </a:xfrm>
           <a:prstGeom prst="rect">
             <a:avLst/>
@@ -8328,7 +11585,7 @@
           </a:bodyPr>
           <a:lstStyle/>
           <a:p>
-            <a:pPr algn="ctr">
+            <a:pPr>
               <a:lnSpc>
                 <a:spcPct val="120000"/>
               </a:lnSpc>
@@ -8338,66 +11595,62 @@
                 <a:latin typeface="Helvetica Neue"/>
                 <a:cs typeface="Helvetica Neue"/>
               </a:rPr>
-              <a:t>at any given moment are geotagged</a:t>
-            </a:r>
+              <a:t>Design a text classification system</a:t>
+            </a:r>
+          </a:p>
+          <a:p>
+            <a:pPr>
+              <a:lnSpc>
+                <a:spcPct val="120000"/>
+              </a:lnSpc>
+            </a:pPr>
             <a:endParaRPr lang="en-US" sz="3000" dirty="0">
               <a:latin typeface="Helvetica Neue"/>
               <a:cs typeface="Helvetica Neue"/>
             </a:endParaRPr>
           </a:p>
-        </p:txBody>
-      </p:sp>
-      <p:sp>
-        <p:nvSpPr>
-          <p:cNvPr id="9" name="TextBox 8"/>
-          <p:cNvSpPr txBox="1"/>
-          <p:nvPr/>
-        </p:nvSpPr>
-        <p:spPr>
-          <a:xfrm>
-            <a:off x="268858" y="1718780"/>
-            <a:ext cx="8606285" cy="2785378"/>
-          </a:xfrm>
-          <a:prstGeom prst="rect">
-            <a:avLst/>
-          </a:prstGeom>
-          <a:noFill/>
-        </p:spPr>
-        <p:txBody>
-          <a:bodyPr wrap="square" rtlCol="0">
-            <a:spAutoFit/>
-          </a:bodyPr>
-          <a:lstStyle/>
-          <a:p>
-            <a:pPr algn="ctr">
+          <a:p>
+            <a:pPr>
               <a:lnSpc>
                 <a:spcPct val="120000"/>
               </a:lnSpc>
             </a:pPr>
             <a:r>
-              <a:rPr lang="en-US" sz="15000" dirty="0" smtClean="0">
-                <a:solidFill>
-                  <a:srgbClr val="539FD8"/>
-                </a:solidFill>
-                <a:latin typeface="Helvetica Neue"/>
-                <a:cs typeface="Helvetica Neue"/>
-              </a:rPr>
-              <a:t>~2%</a:t>
-            </a:r>
-            <a:endParaRPr lang="en-US" sz="15000" dirty="0">
-              <a:solidFill>
-                <a:srgbClr val="539FD8"/>
-              </a:solidFill>
+              <a:rPr lang="en-US" sz="3000" dirty="0" smtClean="0">
+                <a:latin typeface="Helvetica Neue"/>
+                <a:cs typeface="Helvetica Neue"/>
+              </a:rPr>
+              <a:t>Train on lots of geotagged tweets and look for similarities between tweets that don’t have locations</a:t>
+            </a:r>
+          </a:p>
+          <a:p>
+            <a:pPr>
+              <a:lnSpc>
+                <a:spcPct val="120000"/>
+              </a:lnSpc>
+            </a:pPr>
+            <a:endParaRPr lang="en-US" sz="3000" dirty="0">
               <a:latin typeface="Helvetica Neue"/>
               <a:cs typeface="Helvetica Neue"/>
             </a:endParaRPr>
           </a:p>
+          <a:p>
+            <a:pPr>
+              <a:lnSpc>
+                <a:spcPct val="120000"/>
+              </a:lnSpc>
+            </a:pPr>
+            <a:endParaRPr lang="en-US" sz="3000" dirty="0" smtClean="0">
+              <a:latin typeface="Helvetica Neue"/>
+              <a:cs typeface="Helvetica Neue"/>
+            </a:endParaRPr>
+          </a:p>
         </p:txBody>
       </p:sp>
     </p:spTree>
     <p:extLst>
       <p:ext uri="{BB962C8B-B14F-4D97-AF65-F5344CB8AC3E}">
-        <p14:creationId xmlns:p14="http://schemas.microsoft.com/office/powerpoint/2010/main" val="1962217322"/>
+        <p14:creationId xmlns:p14="http://schemas.microsoft.com/office/powerpoint/2010/main" val="2958739101"/>
       </p:ext>
     </p:extLst>
   </p:cSld>
